--- a/Project Poster Template.pptx
+++ b/Project Poster Template.pptx
@@ -3376,7 +3376,7 @@
         </p:nvSpPr>
         <p:spPr bwMode="auto">
           <a:xfrm>
-            <a:off x="22505693" y="13240186"/>
+            <a:off x="22401106" y="13195363"/>
             <a:ext cx="8545513" cy="1131711"/>
           </a:xfrm>
           <a:prstGeom prst="rect">
@@ -3449,7 +3449,7 @@
         </p:nvSpPr>
         <p:spPr bwMode="auto">
           <a:xfrm>
-            <a:off x="22509207" y="14750033"/>
+            <a:off x="22389679" y="14690269"/>
             <a:ext cx="8545513" cy="2564411"/>
           </a:xfrm>
           <a:prstGeom prst="rect">
@@ -3611,8 +3611,8 @@
         </p:nvSpPr>
         <p:spPr bwMode="auto">
           <a:xfrm>
-            <a:off x="22547691" y="19375422"/>
-            <a:ext cx="8545513" cy="1128570"/>
+            <a:off x="22413221" y="17672166"/>
+            <a:ext cx="8545513" cy="1489886"/>
           </a:xfrm>
           <a:prstGeom prst="rect">
             <a:avLst/>
@@ -3643,41 +3643,37 @@
               <a:rPr lang="en-US" sz="2450" b="1" dirty="0">
                 <a:latin typeface="Times New Roman" pitchFamily="18" charset="0"/>
               </a:rPr>
-              <a:t>Evaluation Metrics:</a:t>
+              <a:t>Evaluation Metrics</a:t>
             </a:r>
+            <a:r>
+              <a:rPr lang="en-US" sz="2450" b="1" dirty="0" smtClean="0">
+                <a:latin typeface="Times New Roman" pitchFamily="18" charset="0"/>
+              </a:rPr>
+              <a:t>:</a:t>
+            </a:r>
+          </a:p>
+          <a:p>
+            <a:pPr lvl="1" algn="l" defTabSz="536198" eaLnBrk="0" hangingPunct="0">
+              <a:lnSpc>
+                <a:spcPct val="95000"/>
+              </a:lnSpc>
+            </a:pPr>
+            <a:r>
+              <a:rPr lang="en-US" sz="2450" dirty="0" smtClean="0">
+                <a:latin typeface="Times New Roman" pitchFamily="18" charset="0"/>
+              </a:rPr>
+              <a:t>Classification Accuracy( total correct predictions/total number samples) is used for performance evaluation. </a:t>
+            </a:r>
+          </a:p>
+          <a:p>
+            <a:pPr marL="457217" lvl="1" algn="l" defTabSz="536198" eaLnBrk="0" hangingPunct="0">
+              <a:lnSpc>
+                <a:spcPct val="95000"/>
+              </a:lnSpc>
+            </a:pPr>
             <a:endParaRPr lang="en-US" sz="2450" dirty="0">
               <a:latin typeface="Times New Roman" pitchFamily="18" charset="0"/>
             </a:endParaRPr>
-          </a:p>
-          <a:p>
-            <a:pPr marL="800130" lvl="1" indent="-342913" algn="l" defTabSz="536198" eaLnBrk="0" hangingPunct="0">
-              <a:lnSpc>
-                <a:spcPct val="95000"/>
-              </a:lnSpc>
-              <a:buFont typeface="Arial" panose="020B0604020202020204" pitchFamily="34" charset="0"/>
-              <a:buChar char="•"/>
-            </a:pPr>
-            <a:r>
-              <a:rPr lang="en-US" sz="2450" dirty="0">
-                <a:latin typeface="Times New Roman" pitchFamily="18" charset="0"/>
-              </a:rPr>
-              <a:t>Averaged Absolute Difference </a:t>
-            </a:r>
-          </a:p>
-          <a:p>
-            <a:pPr marL="800130" lvl="1" indent="-342913" algn="l" defTabSz="536198" eaLnBrk="0" hangingPunct="0">
-              <a:lnSpc>
-                <a:spcPct val="95000"/>
-              </a:lnSpc>
-              <a:buFont typeface="Arial" panose="020B0604020202020204" pitchFamily="34" charset="0"/>
-              <a:buChar char="•"/>
-            </a:pPr>
-            <a:r>
-              <a:rPr lang="en-US" sz="2450" dirty="0">
-                <a:latin typeface="Times New Roman" pitchFamily="18" charset="0"/>
-              </a:rPr>
-              <a:t>Averaged Square Difference</a:t>
-            </a:r>
           </a:p>
         </p:txBody>
       </p:sp>
@@ -5665,28 +5661,757 @@
       </p:sp>
       <p:pic>
         <p:nvPicPr>
-          <p:cNvPr id="2058" name="Picture 2057"/>
+          <p:cNvPr id="2" name="Picture 1" descr="tree.png"/>
           <p:cNvPicPr>
             <a:picLocks noChangeAspect="1"/>
           </p:cNvPicPr>
           <p:nvPr/>
         </p:nvPicPr>
         <p:blipFill>
-          <a:blip r:embed="rId7"/>
+          <a:blip r:embed="rId7" cstate="print">
+            <a:extLst>
+              <a:ext uri="{28A0092B-C50C-407E-A947-70E740481C1C}">
+                <a14:useLocalDpi xmlns:a14="http://schemas.microsoft.com/office/drawing/2010/main" val="0"/>
+              </a:ext>
+            </a:extLst>
+          </a:blip>
           <a:stretch>
             <a:fillRect/>
           </a:stretch>
         </p:blipFill>
         <p:spPr>
           <a:xfrm>
-            <a:off x="13108856" y="15538428"/>
-            <a:ext cx="8365314" cy="4629171"/>
+            <a:off x="12768526" y="15523595"/>
+            <a:ext cx="8821713" cy="5587555"/>
           </a:xfrm>
           <a:prstGeom prst="rect">
             <a:avLst/>
           </a:prstGeom>
         </p:spPr>
       </p:pic>
+      <p:sp>
+        <p:nvSpPr>
+          <p:cNvPr id="67" name="Text Box 39"/>
+          <p:cNvSpPr txBox="1">
+            <a:spLocks noChangeArrowheads="1"/>
+          </p:cNvSpPr>
+          <p:nvPr/>
+        </p:nvSpPr>
+        <p:spPr bwMode="auto">
+          <a:xfrm>
+            <a:off x="22386328" y="19393355"/>
+            <a:ext cx="8153177" cy="2206236"/>
+          </a:xfrm>
+          <a:prstGeom prst="rect">
+            <a:avLst/>
+          </a:prstGeom>
+          <a:noFill/>
+          <a:ln w="57150" cmpd="thinThick">
+            <a:noFill/>
+            <a:miter lim="800000"/>
+            <a:headEnd/>
+            <a:tailEnd/>
+          </a:ln>
+          <a:effectLst/>
+        </p:spPr>
+        <p:txBody>
+          <a:bodyPr wrap="square" lIns="53524" tIns="26761" rIns="53524" bIns="26761">
+            <a:spAutoFit/>
+          </a:bodyPr>
+          <a:lstStyle/>
+          <a:p>
+            <a:pPr marL="342913" indent="-342913" algn="l" defTabSz="536198" eaLnBrk="0" hangingPunct="0">
+              <a:lnSpc>
+                <a:spcPct val="95000"/>
+              </a:lnSpc>
+              <a:buFont typeface="Wingdings" panose="05000000000000000000" pitchFamily="2" charset="2"/>
+              <a:buChar char="Ø"/>
+            </a:pPr>
+            <a:r>
+              <a:rPr lang="en-US" sz="2450" b="1" dirty="0" smtClean="0">
+                <a:latin typeface="Times New Roman" pitchFamily="18" charset="0"/>
+              </a:rPr>
+              <a:t>Models  Selection and Performance evaluation</a:t>
+            </a:r>
+            <a:r>
+              <a:rPr lang="en-US" sz="2450" b="1" dirty="0" smtClean="0">
+                <a:latin typeface="Times New Roman" pitchFamily="18" charset="0"/>
+              </a:rPr>
+              <a:t>:</a:t>
+            </a:r>
+          </a:p>
+          <a:p>
+            <a:pPr lvl="1" algn="l" defTabSz="536198" eaLnBrk="0" hangingPunct="0">
+              <a:lnSpc>
+                <a:spcPct val="95000"/>
+              </a:lnSpc>
+            </a:pPr>
+            <a:r>
+              <a:rPr lang="en-US" sz="2450" dirty="0" smtClean="0">
+                <a:latin typeface="Times New Roman" pitchFamily="18" charset="0"/>
+              </a:rPr>
+              <a:t>We limited the features dimension to 2000, trained each classifiers on the training dataset, adjust the possible parameters for each model. </a:t>
+            </a:r>
+            <a:r>
+              <a:rPr lang="en-US" sz="2450" dirty="0">
+                <a:latin typeface="Times New Roman" pitchFamily="18" charset="0"/>
+              </a:rPr>
+              <a:t>T</a:t>
+            </a:r>
+            <a:r>
+              <a:rPr lang="en-US" sz="2450" dirty="0" smtClean="0">
+                <a:latin typeface="Times New Roman" pitchFamily="18" charset="0"/>
+              </a:rPr>
+              <a:t>he most appropriate parameters are selected for each classifiers based </a:t>
+            </a:r>
+            <a:r>
+              <a:rPr lang="en-US" sz="2450" dirty="0">
+                <a:latin typeface="Times New Roman" pitchFamily="18" charset="0"/>
+              </a:rPr>
+              <a:t>on the model performance on training set and validation </a:t>
+            </a:r>
+            <a:r>
+              <a:rPr lang="en-US" sz="2450" dirty="0" smtClean="0">
+                <a:latin typeface="Times New Roman" pitchFamily="18" charset="0"/>
+              </a:rPr>
+              <a:t>set. </a:t>
+            </a:r>
+            <a:endParaRPr lang="en-US" sz="2450" b="1" dirty="0" smtClean="0">
+              <a:latin typeface="Times New Roman" pitchFamily="18" charset="0"/>
+            </a:endParaRPr>
+          </a:p>
+        </p:txBody>
+      </p:sp>
+      <p:graphicFrame>
+        <p:nvGraphicFramePr>
+          <p:cNvPr id="7" name="Table 6"/>
+          <p:cNvGraphicFramePr>
+            <a:graphicFrameLocks noGrp="1"/>
+          </p:cNvGraphicFramePr>
+          <p:nvPr>
+            <p:extLst>
+              <p:ext uri="{D42A27DB-BD31-4B8C-83A1-F6EECF244321}">
+                <p14:modId xmlns:p14="http://schemas.microsoft.com/office/powerpoint/2010/main" val="2214387371"/>
+              </p:ext>
+            </p:extLst>
+          </p:nvPr>
+        </p:nvGraphicFramePr>
+        <p:xfrm>
+          <a:off x="22396631" y="22294203"/>
+          <a:ext cx="8143602" cy="4770210"/>
+        </p:xfrm>
+        <a:graphic>
+          <a:graphicData uri="http://schemas.openxmlformats.org/drawingml/2006/table">
+            <a:tbl>
+              <a:tblPr firstRow="1" bandRow="1">
+                <a:tableStyleId>{5C22544A-7EE6-4342-B048-85BDC9FD1C3A}</a:tableStyleId>
+              </a:tblPr>
+              <a:tblGrid>
+                <a:gridCol w="1956866"/>
+                <a:gridCol w="1912868"/>
+                <a:gridCol w="2000865"/>
+                <a:gridCol w="2273003"/>
+              </a:tblGrid>
+              <a:tr h="522620">
+                <a:tc>
+                  <a:txBody>
+                    <a:bodyPr/>
+                    <a:lstStyle/>
+                    <a:p>
+                      <a:endParaRPr lang="en-US" sz="2400" b="1" kern="1200" dirty="0">
+                        <a:solidFill>
+                          <a:schemeClr val="tx1"/>
+                        </a:solidFill>
+                        <a:latin typeface="Times"/>
+                        <a:ea typeface="+mn-ea"/>
+                        <a:cs typeface="Times"/>
+                      </a:endParaRPr>
+                    </a:p>
+                  </a:txBody>
+                  <a:tcPr/>
+                </a:tc>
+                <a:tc>
+                  <a:txBody>
+                    <a:bodyPr/>
+                    <a:lstStyle/>
+                    <a:p>
+                      <a:r>
+                        <a:rPr lang="en-US" sz="2400" dirty="0" smtClean="0">
+                          <a:solidFill>
+                            <a:schemeClr val="tx1"/>
+                          </a:solidFill>
+                          <a:latin typeface="Times"/>
+                          <a:cs typeface="Times"/>
+                        </a:rPr>
+                        <a:t>Train</a:t>
+                      </a:r>
+                      <a:r>
+                        <a:rPr lang="en-US" sz="2400" baseline="0" dirty="0" smtClean="0">
+                          <a:solidFill>
+                            <a:schemeClr val="tx1"/>
+                          </a:solidFill>
+                          <a:latin typeface="Times"/>
+                          <a:cs typeface="Times"/>
+                        </a:rPr>
+                        <a:t> </a:t>
+                      </a:r>
+                      <a:r>
+                        <a:rPr lang="en-US" sz="2400" b="1" kern="1200" dirty="0" smtClean="0">
+                          <a:solidFill>
+                            <a:schemeClr val="tx1"/>
+                          </a:solidFill>
+                          <a:latin typeface="Times"/>
+                          <a:ea typeface="+mn-ea"/>
+                          <a:cs typeface="Times"/>
+                        </a:rPr>
+                        <a:t>accuracy</a:t>
+                      </a:r>
+                      <a:endParaRPr lang="en-US" sz="2400" b="1" kern="1200" dirty="0">
+                        <a:solidFill>
+                          <a:schemeClr val="tx1"/>
+                        </a:solidFill>
+                        <a:latin typeface="Times"/>
+                        <a:ea typeface="+mn-ea"/>
+                        <a:cs typeface="Times"/>
+                      </a:endParaRPr>
+                    </a:p>
+                  </a:txBody>
+                  <a:tcPr/>
+                </a:tc>
+                <a:tc>
+                  <a:txBody>
+                    <a:bodyPr/>
+                    <a:lstStyle/>
+                    <a:p>
+                      <a:pPr marL="0" marR="0" indent="0" algn="l" defTabSz="800130" rtl="0" eaLnBrk="1" fontAlgn="auto" latinLnBrk="0" hangingPunct="1">
+                        <a:lnSpc>
+                          <a:spcPct val="100000"/>
+                        </a:lnSpc>
+                        <a:spcBef>
+                          <a:spcPts val="0"/>
+                        </a:spcBef>
+                        <a:spcAft>
+                          <a:spcPts val="0"/>
+                        </a:spcAft>
+                        <a:buClrTx/>
+                        <a:buSzTx/>
+                        <a:buFontTx/>
+                        <a:buNone/>
+                        <a:tabLst/>
+                        <a:defRPr/>
+                      </a:pPr>
+                      <a:r>
+                        <a:rPr lang="en-US" sz="2400" b="1" kern="1200" dirty="0" smtClean="0">
+                          <a:solidFill>
+                            <a:schemeClr val="tx1"/>
+                          </a:solidFill>
+                          <a:latin typeface="Times"/>
+                          <a:ea typeface="+mn-ea"/>
+                          <a:cs typeface="Times"/>
+                        </a:rPr>
+                        <a:t>Validation</a:t>
+                      </a:r>
+                      <a:r>
+                        <a:rPr lang="en-US" sz="2400" b="1" kern="1200" baseline="0" dirty="0" smtClean="0">
+                          <a:solidFill>
+                            <a:schemeClr val="tx1"/>
+                          </a:solidFill>
+                          <a:latin typeface="Times"/>
+                          <a:ea typeface="+mn-ea"/>
+                          <a:cs typeface="Times"/>
+                        </a:rPr>
+                        <a:t> </a:t>
+                      </a:r>
+                      <a:r>
+                        <a:rPr lang="en-US" sz="2400" b="1" kern="1200" baseline="0" dirty="0" smtClean="0">
+                          <a:solidFill>
+                            <a:schemeClr val="tx1"/>
+                          </a:solidFill>
+                          <a:latin typeface="Times"/>
+                          <a:ea typeface="+mn-ea"/>
+                          <a:cs typeface="Times"/>
+                        </a:rPr>
+                        <a:t>a</a:t>
+                      </a:r>
+                      <a:r>
+                        <a:rPr lang="en-US" sz="2400" b="1" kern="1200" dirty="0" smtClean="0">
+                          <a:solidFill>
+                            <a:schemeClr val="tx1"/>
+                          </a:solidFill>
+                          <a:latin typeface="Times"/>
+                          <a:ea typeface="+mn-ea"/>
+                          <a:cs typeface="Times"/>
+                        </a:rPr>
+                        <a:t>ccuracy</a:t>
+                      </a:r>
+                      <a:endParaRPr lang="en-US" sz="2400" b="1" kern="1200" dirty="0" smtClean="0">
+                        <a:solidFill>
+                          <a:schemeClr val="tx1"/>
+                        </a:solidFill>
+                        <a:latin typeface="Times"/>
+                        <a:ea typeface="+mn-ea"/>
+                        <a:cs typeface="Times"/>
+                      </a:endParaRPr>
+                    </a:p>
+                  </a:txBody>
+                  <a:tcPr/>
+                </a:tc>
+                <a:tc>
+                  <a:txBody>
+                    <a:bodyPr/>
+                    <a:lstStyle/>
+                    <a:p>
+                      <a:pPr marL="0" marR="0" indent="0" algn="l" defTabSz="800130" rtl="0" eaLnBrk="1" fontAlgn="auto" latinLnBrk="0" hangingPunct="1">
+                        <a:lnSpc>
+                          <a:spcPct val="100000"/>
+                        </a:lnSpc>
+                        <a:spcBef>
+                          <a:spcPts val="0"/>
+                        </a:spcBef>
+                        <a:spcAft>
+                          <a:spcPts val="0"/>
+                        </a:spcAft>
+                        <a:buClrTx/>
+                        <a:buSzTx/>
+                        <a:buFontTx/>
+                        <a:buNone/>
+                        <a:tabLst/>
+                        <a:defRPr/>
+                      </a:pPr>
+                      <a:endParaRPr lang="en-US" sz="2400" b="1" kern="1200" dirty="0" smtClean="0">
+                        <a:solidFill>
+                          <a:schemeClr val="tx1"/>
+                        </a:solidFill>
+                        <a:latin typeface="Times"/>
+                        <a:ea typeface="+mn-ea"/>
+                        <a:cs typeface="Times"/>
+                      </a:endParaRPr>
+                    </a:p>
+                  </a:txBody>
+                  <a:tcPr/>
+                </a:tc>
+              </a:tr>
+              <a:tr h="522620">
+                <a:tc>
+                  <a:txBody>
+                    <a:bodyPr/>
+                    <a:lstStyle/>
+                    <a:p>
+                      <a:pPr marL="0" marR="0" indent="0" algn="l" defTabSz="800130" rtl="0" eaLnBrk="1" fontAlgn="auto" latinLnBrk="0" hangingPunct="1">
+                        <a:lnSpc>
+                          <a:spcPct val="100000"/>
+                        </a:lnSpc>
+                        <a:spcBef>
+                          <a:spcPts val="0"/>
+                        </a:spcBef>
+                        <a:spcAft>
+                          <a:spcPts val="0"/>
+                        </a:spcAft>
+                        <a:buClrTx/>
+                        <a:buSzTx/>
+                        <a:buFontTx/>
+                        <a:buNone/>
+                        <a:tabLst/>
+                        <a:defRPr/>
+                      </a:pPr>
+                      <a:r>
+                        <a:rPr lang="en-US" sz="1600" b="1" kern="1200" dirty="0" smtClean="0">
+                          <a:solidFill>
+                            <a:schemeClr val="tx1"/>
+                          </a:solidFill>
+                          <a:latin typeface="Times"/>
+                          <a:ea typeface="+mn-ea"/>
+                          <a:cs typeface="Times"/>
+                        </a:rPr>
+                        <a:t>Logistics </a:t>
+                      </a:r>
+                    </a:p>
+                  </a:txBody>
+                  <a:tcPr/>
+                </a:tc>
+                <a:tc>
+                  <a:txBody>
+                    <a:bodyPr/>
+                    <a:lstStyle/>
+                    <a:p>
+                      <a:r>
+                        <a:rPr lang="en-US" dirty="0" smtClean="0"/>
+                        <a:t>88.86%</a:t>
+                      </a:r>
+                      <a:endParaRPr lang="en-US" dirty="0"/>
+                    </a:p>
+                  </a:txBody>
+                  <a:tcPr/>
+                </a:tc>
+                <a:tc>
+                  <a:txBody>
+                    <a:bodyPr/>
+                    <a:lstStyle/>
+                    <a:p>
+                      <a:r>
+                        <a:rPr lang="en-US" dirty="0" smtClean="0"/>
+                        <a:t>83.82%</a:t>
+                      </a:r>
+                      <a:endParaRPr lang="en-US" dirty="0"/>
+                    </a:p>
+                  </a:txBody>
+                  <a:tcPr/>
+                </a:tc>
+                <a:tc>
+                  <a:txBody>
+                    <a:bodyPr/>
+                    <a:lstStyle/>
+                    <a:p>
+                      <a:endParaRPr lang="en-US" dirty="0"/>
+                    </a:p>
+                  </a:txBody>
+                  <a:tcPr/>
+                </a:tc>
+              </a:tr>
+              <a:tr h="522620">
+                <a:tc>
+                  <a:txBody>
+                    <a:bodyPr/>
+                    <a:lstStyle/>
+                    <a:p>
+                      <a:pPr marL="0" marR="0" indent="0" algn="l" defTabSz="800130" rtl="0" eaLnBrk="1" fontAlgn="auto" latinLnBrk="0" hangingPunct="1">
+                        <a:lnSpc>
+                          <a:spcPct val="100000"/>
+                        </a:lnSpc>
+                        <a:spcBef>
+                          <a:spcPts val="0"/>
+                        </a:spcBef>
+                        <a:spcAft>
+                          <a:spcPts val="0"/>
+                        </a:spcAft>
+                        <a:buClrTx/>
+                        <a:buSzTx/>
+                        <a:buFontTx/>
+                        <a:buNone/>
+                        <a:tabLst/>
+                        <a:defRPr/>
+                      </a:pPr>
+                      <a:r>
+                        <a:rPr lang="en-US" b="1" dirty="0" smtClean="0"/>
+                        <a:t>Support Vector</a:t>
+                      </a:r>
+                      <a:r>
+                        <a:rPr lang="en-US" b="1" baseline="0" dirty="0" smtClean="0"/>
+                        <a:t> Machine</a:t>
+                      </a:r>
+                      <a:endParaRPr lang="en-US" b="1" dirty="0" smtClean="0"/>
+                    </a:p>
+                    <a:p>
+                      <a:endParaRPr lang="en-US" dirty="0"/>
+                    </a:p>
+                  </a:txBody>
+                  <a:tcPr/>
+                </a:tc>
+                <a:tc>
+                  <a:txBody>
+                    <a:bodyPr/>
+                    <a:lstStyle/>
+                    <a:p>
+                      <a:r>
+                        <a:rPr lang="en-US" dirty="0" smtClean="0"/>
+                        <a:t>86.79%</a:t>
+                      </a:r>
+                      <a:endParaRPr lang="en-US" dirty="0"/>
+                    </a:p>
+                  </a:txBody>
+                  <a:tcPr/>
+                </a:tc>
+                <a:tc>
+                  <a:txBody>
+                    <a:bodyPr/>
+                    <a:lstStyle/>
+                    <a:p>
+                      <a:r>
+                        <a:rPr lang="en-US" dirty="0" smtClean="0"/>
+                        <a:t>83.58%</a:t>
+                      </a:r>
+                      <a:endParaRPr lang="en-US" dirty="0"/>
+                    </a:p>
+                  </a:txBody>
+                  <a:tcPr/>
+                </a:tc>
+                <a:tc>
+                  <a:txBody>
+                    <a:bodyPr/>
+                    <a:lstStyle/>
+                    <a:p>
+                      <a:endParaRPr lang="en-US" dirty="0"/>
+                    </a:p>
+                  </a:txBody>
+                  <a:tcPr/>
+                </a:tc>
+              </a:tr>
+              <a:tr h="522620">
+                <a:tc>
+                  <a:txBody>
+                    <a:bodyPr/>
+                    <a:lstStyle/>
+                    <a:p>
+                      <a:r>
+                        <a:rPr lang="en-US" b="1" dirty="0" smtClean="0"/>
+                        <a:t>Random Forest</a:t>
+                      </a:r>
+                      <a:endParaRPr lang="en-US" b="1" dirty="0"/>
+                    </a:p>
+                  </a:txBody>
+                  <a:tcPr/>
+                </a:tc>
+                <a:tc>
+                  <a:txBody>
+                    <a:bodyPr/>
+                    <a:lstStyle/>
+                    <a:p>
+                      <a:r>
+                        <a:rPr lang="en-US" dirty="0" smtClean="0"/>
+                        <a:t>99.98%</a:t>
+                      </a:r>
+                      <a:endParaRPr lang="en-US" dirty="0"/>
+                    </a:p>
+                  </a:txBody>
+                  <a:tcPr/>
+                </a:tc>
+                <a:tc>
+                  <a:txBody>
+                    <a:bodyPr/>
+                    <a:lstStyle/>
+                    <a:p>
+                      <a:r>
+                        <a:rPr lang="en-US" dirty="0" smtClean="0"/>
+                        <a:t>83.46%</a:t>
+                      </a:r>
+                      <a:endParaRPr lang="en-US" dirty="0"/>
+                    </a:p>
+                  </a:txBody>
+                  <a:tcPr/>
+                </a:tc>
+                <a:tc>
+                  <a:txBody>
+                    <a:bodyPr/>
+                    <a:lstStyle/>
+                    <a:p>
+                      <a:endParaRPr lang="en-US" dirty="0"/>
+                    </a:p>
+                  </a:txBody>
+                  <a:tcPr/>
+                </a:tc>
+              </a:tr>
+              <a:tr h="522620">
+                <a:tc>
+                  <a:txBody>
+                    <a:bodyPr/>
+                    <a:lstStyle/>
+                    <a:p>
+                      <a:r>
+                        <a:rPr lang="en-US" b="1" dirty="0" smtClean="0"/>
+                        <a:t>Decision Tree</a:t>
+                      </a:r>
+                      <a:endParaRPr lang="en-US" b="1" dirty="0"/>
+                    </a:p>
+                  </a:txBody>
+                  <a:tcPr/>
+                </a:tc>
+                <a:tc>
+                  <a:txBody>
+                    <a:bodyPr/>
+                    <a:lstStyle/>
+                    <a:p>
+                      <a:r>
+                        <a:rPr lang="en-US" dirty="0" smtClean="0"/>
+                        <a:t>99.98%</a:t>
+                      </a:r>
+                      <a:endParaRPr lang="en-US" dirty="0"/>
+                    </a:p>
+                  </a:txBody>
+                  <a:tcPr/>
+                </a:tc>
+                <a:tc>
+                  <a:txBody>
+                    <a:bodyPr/>
+                    <a:lstStyle/>
+                    <a:p>
+                      <a:r>
+                        <a:rPr lang="en-US" dirty="0" smtClean="0"/>
+                        <a:t>70.84%</a:t>
+                      </a:r>
+                      <a:endParaRPr lang="en-US" dirty="0"/>
+                    </a:p>
+                  </a:txBody>
+                  <a:tcPr/>
+                </a:tc>
+                <a:tc>
+                  <a:txBody>
+                    <a:bodyPr/>
+                    <a:lstStyle/>
+                    <a:p>
+                      <a:endParaRPr lang="en-US" dirty="0"/>
+                    </a:p>
+                  </a:txBody>
+                  <a:tcPr/>
+                </a:tc>
+              </a:tr>
+              <a:tr h="522620">
+                <a:tc>
+                  <a:txBody>
+                    <a:bodyPr/>
+                    <a:lstStyle/>
+                    <a:p>
+                      <a:r>
+                        <a:rPr lang="en-US" b="1" dirty="0" smtClean="0"/>
+                        <a:t>KNN</a:t>
+                      </a:r>
+                      <a:endParaRPr lang="en-US" b="1" dirty="0"/>
+                    </a:p>
+                  </a:txBody>
+                  <a:tcPr/>
+                </a:tc>
+                <a:tc>
+                  <a:txBody>
+                    <a:bodyPr/>
+                    <a:lstStyle/>
+                    <a:p>
+                      <a:r>
+                        <a:rPr lang="en-US" dirty="0" smtClean="0"/>
+                        <a:t>78.54%</a:t>
+                      </a:r>
+                      <a:endParaRPr lang="en-US" dirty="0"/>
+                    </a:p>
+                  </a:txBody>
+                  <a:tcPr/>
+                </a:tc>
+                <a:tc>
+                  <a:txBody>
+                    <a:bodyPr/>
+                    <a:lstStyle/>
+                    <a:p>
+                      <a:r>
+                        <a:rPr lang="en-US" dirty="0" smtClean="0"/>
+                        <a:t>66.42%</a:t>
+                      </a:r>
+                      <a:endParaRPr lang="en-US" dirty="0"/>
+                    </a:p>
+                  </a:txBody>
+                  <a:tcPr/>
+                </a:tc>
+                <a:tc>
+                  <a:txBody>
+                    <a:bodyPr/>
+                    <a:lstStyle/>
+                    <a:p>
+                      <a:endParaRPr lang="en-US" dirty="0"/>
+                    </a:p>
+                  </a:txBody>
+                  <a:tcPr/>
+                </a:tc>
+              </a:tr>
+              <a:tr h="522620">
+                <a:tc>
+                  <a:txBody>
+                    <a:bodyPr/>
+                    <a:lstStyle/>
+                    <a:p>
+                      <a:r>
+                        <a:rPr lang="en-US" b="1" dirty="0" err="1" smtClean="0"/>
+                        <a:t>Adaboost</a:t>
+                      </a:r>
+                      <a:r>
+                        <a:rPr lang="en-US" b="1" dirty="0" smtClean="0"/>
+                        <a:t> </a:t>
+                      </a:r>
+                      <a:endParaRPr lang="en-US" b="1" dirty="0"/>
+                    </a:p>
+                  </a:txBody>
+                  <a:tcPr/>
+                </a:tc>
+                <a:tc>
+                  <a:txBody>
+                    <a:bodyPr/>
+                    <a:lstStyle/>
+                    <a:p>
+                      <a:r>
+                        <a:rPr lang="en-US" dirty="0" smtClean="0"/>
+                        <a:t>99.98%</a:t>
+                      </a:r>
+                      <a:endParaRPr lang="en-US" dirty="0"/>
+                    </a:p>
+                  </a:txBody>
+                  <a:tcPr/>
+                </a:tc>
+                <a:tc>
+                  <a:txBody>
+                    <a:bodyPr/>
+                    <a:lstStyle/>
+                    <a:p>
+                      <a:r>
+                        <a:rPr lang="en-US" dirty="0" smtClean="0"/>
+                        <a:t>70.84%</a:t>
+                      </a:r>
+                      <a:endParaRPr lang="en-US" dirty="0"/>
+                    </a:p>
+                  </a:txBody>
+                  <a:tcPr/>
+                </a:tc>
+                <a:tc>
+                  <a:txBody>
+                    <a:bodyPr/>
+                    <a:lstStyle/>
+                    <a:p>
+                      <a:endParaRPr lang="en-US" dirty="0"/>
+                    </a:p>
+                  </a:txBody>
+                  <a:tcPr/>
+                </a:tc>
+              </a:tr>
+              <a:tr h="522620">
+                <a:tc>
+                  <a:txBody>
+                    <a:bodyPr/>
+                    <a:lstStyle/>
+                    <a:p>
+                      <a:endParaRPr lang="en-US" dirty="0"/>
+                    </a:p>
+                  </a:txBody>
+                  <a:tcPr/>
+                </a:tc>
+                <a:tc>
+                  <a:txBody>
+                    <a:bodyPr/>
+                    <a:lstStyle/>
+                    <a:p>
+                      <a:endParaRPr lang="en-US"/>
+                    </a:p>
+                  </a:txBody>
+                  <a:tcPr/>
+                </a:tc>
+                <a:tc>
+                  <a:txBody>
+                    <a:bodyPr/>
+                    <a:lstStyle/>
+                    <a:p>
+                      <a:endParaRPr lang="en-US" dirty="0"/>
+                    </a:p>
+                  </a:txBody>
+                  <a:tcPr/>
+                </a:tc>
+                <a:tc>
+                  <a:txBody>
+                    <a:bodyPr/>
+                    <a:lstStyle/>
+                    <a:p>
+                      <a:endParaRPr lang="en-US" dirty="0"/>
+                    </a:p>
+                  </a:txBody>
+                  <a:tcPr/>
+                </a:tc>
+              </a:tr>
+            </a:tbl>
+          </a:graphicData>
+        </a:graphic>
+      </p:graphicFrame>
     </p:spTree>
   </p:cSld>
   <p:clrMapOvr>

--- a/Project Poster Template.pptx
+++ b/Project Poster Template.pptx
@@ -164,1246 +164,6 @@
     </p:ext>
   </p:extLst>
 </p:presentation>
-</file>
-
-<file path=ppt/charts/chart1.xml><?xml version="1.0" encoding="utf-8"?>
-<c:chartSpace xmlns:c="http://schemas.openxmlformats.org/drawingml/2006/chart" xmlns:a="http://schemas.openxmlformats.org/drawingml/2006/main" xmlns:r="http://schemas.openxmlformats.org/officeDocument/2006/relationships">
-  <c:date1904 val="0"/>
-  <c:lang val="en-US"/>
-  <c:roundedCorners val="0"/>
-  <mc:AlternateContent xmlns:mc="http://schemas.openxmlformats.org/markup-compatibility/2006">
-    <mc:Choice xmlns:c14="http://schemas.microsoft.com/office/drawing/2007/8/2/chart" Requires="c14">
-      <c14:style val="102"/>
-    </mc:Choice>
-    <mc:Fallback>
-      <c:style val="2"/>
-    </mc:Fallback>
-  </mc:AlternateContent>
-  <c:chart>
-    <c:title>
-      <c:tx>
-        <c:rich>
-          <a:bodyPr rot="0" spcFirstLastPara="1" vertOverflow="ellipsis" vert="horz" wrap="square" anchor="ctr" anchorCtr="1"/>
-          <a:lstStyle/>
-          <a:p>
-            <a:pPr>
-              <a:defRPr lang="zh-CN" sz="2400" b="0" i="0" u="none" strike="noStrike" kern="1200" spc="0" baseline="0">
-                <a:solidFill>
-                  <a:schemeClr val="tx1">
-                    <a:lumMod val="65000"/>
-                    <a:lumOff val="35000"/>
-                  </a:schemeClr>
-                </a:solidFill>
-                <a:latin typeface="+mn-lt"/>
-                <a:ea typeface="+mn-ea"/>
-                <a:cs typeface="+mn-cs"/>
-              </a:defRPr>
-            </a:pPr>
-            <a:r>
-              <a:rPr lang="en-US" sz="2400"/>
-              <a:t>Performance Comparison</a:t>
-            </a:r>
-            <a:endParaRPr lang="zh-CN" sz="2400"/>
-          </a:p>
-        </c:rich>
-      </c:tx>
-      <c:layout/>
-      <c:overlay val="0"/>
-      <c:spPr>
-        <a:noFill/>
-        <a:ln>
-          <a:noFill/>
-        </a:ln>
-        <a:effectLst/>
-      </c:spPr>
-    </c:title>
-    <c:autoTitleDeleted val="0"/>
-    <c:plotArea>
-      <c:layout>
-        <c:manualLayout>
-          <c:layoutTarget val="inner"/>
-          <c:xMode val="edge"/>
-          <c:yMode val="edge"/>
-          <c:x val="0.0474786012573171"/>
-          <c:y val="0.122040663636155"/>
-          <c:w val="0.92808459080072"/>
-          <c:h val="0.574759083776239"/>
-        </c:manualLayout>
-      </c:layout>
-      <c:barChart>
-        <c:barDir val="col"/>
-        <c:grouping val="clustered"/>
-        <c:varyColors val="0"/>
-        <c:ser>
-          <c:idx val="0"/>
-          <c:order val="0"/>
-          <c:tx>
-            <c:strRef>
-              <c:f>Sheet1!$B$7</c:f>
-              <c:strCache>
-                <c:ptCount val="1"/>
-                <c:pt idx="0">
-                  <c:v>average distance</c:v>
-                </c:pt>
-              </c:strCache>
-            </c:strRef>
-          </c:tx>
-          <c:spPr>
-            <a:solidFill>
-              <a:srgbClr val="92D050"/>
-            </a:solidFill>
-            <a:ln>
-              <a:noFill/>
-            </a:ln>
-            <a:effectLst/>
-          </c:spPr>
-          <c:invertIfNegative val="0"/>
-          <c:cat>
-            <c:strRef>
-              <c:f>Sheet1!$A$8:$A$23</c:f>
-              <c:strCache>
-                <c:ptCount val="16"/>
-                <c:pt idx="0">
-                  <c:v>1NN</c:v>
-                </c:pt>
-                <c:pt idx="1">
-                  <c:v>5NN</c:v>
-                </c:pt>
-                <c:pt idx="2">
-                  <c:v>mode</c:v>
-                </c:pt>
-                <c:pt idx="3">
-                  <c:v>Bernoulli NB</c:v>
-                </c:pt>
-                <c:pt idx="4">
-                  <c:v>50NN</c:v>
-                </c:pt>
-                <c:pt idx="5">
-                  <c:v>average</c:v>
-                </c:pt>
-                <c:pt idx="6">
-                  <c:v>Random Forest</c:v>
-                </c:pt>
-                <c:pt idx="7">
-                  <c:v>tree</c:v>
-                </c:pt>
-                <c:pt idx="10">
-                  <c:v>Lasso</c:v>
-                </c:pt>
-                <c:pt idx="11">
-                  <c:v>regression</c:v>
-                </c:pt>
-                <c:pt idx="12">
-                  <c:v>ridge</c:v>
-                </c:pt>
-                <c:pt idx="15">
-                  <c:v>Divide-and-conquer</c:v>
-                </c:pt>
-              </c:strCache>
-            </c:strRef>
-          </c:cat>
-          <c:val>
-            <c:numRef>
-              <c:f>Sheet1!$B$8:$B$23</c:f>
-              <c:numCache>
-                <c:formatCode>General</c:formatCode>
-                <c:ptCount val="16"/>
-                <c:pt idx="0">
-                  <c:v>10.33</c:v>
-                </c:pt>
-                <c:pt idx="1">
-                  <c:v>9.970400000000006</c:v>
-                </c:pt>
-                <c:pt idx="2">
-                  <c:v>9.089200000000003</c:v>
-                </c:pt>
-                <c:pt idx="3">
-                  <c:v>8.858600000000002</c:v>
-                </c:pt>
-                <c:pt idx="4">
-                  <c:v>8.599200000000001</c:v>
-                </c:pt>
-                <c:pt idx="5">
-                  <c:v>8.345</c:v>
-                </c:pt>
-                <c:pt idx="6">
-                  <c:v>7.9423</c:v>
-                </c:pt>
-                <c:pt idx="7">
-                  <c:v>7.632899999999997</c:v>
-                </c:pt>
-                <c:pt idx="10">
-                  <c:v>6.9968</c:v>
-                </c:pt>
-                <c:pt idx="11">
-                  <c:v>6.9009</c:v>
-                </c:pt>
-                <c:pt idx="12">
-                  <c:v>6.897199999999994</c:v>
-                </c:pt>
-                <c:pt idx="15">
-                  <c:v>6.72</c:v>
-                </c:pt>
-              </c:numCache>
-            </c:numRef>
-          </c:val>
-        </c:ser>
-        <c:ser>
-          <c:idx val="1"/>
-          <c:order val="1"/>
-          <c:tx>
-            <c:strRef>
-              <c:f>Sheet1!$C$7</c:f>
-              <c:strCache>
-                <c:ptCount val="1"/>
-                <c:pt idx="0">
-                  <c:v>avg squared</c:v>
-                </c:pt>
-              </c:strCache>
-            </c:strRef>
-          </c:tx>
-          <c:spPr>
-            <a:solidFill>
-              <a:srgbClr val="002060"/>
-            </a:solidFill>
-            <a:ln>
-              <a:noFill/>
-            </a:ln>
-            <a:effectLst/>
-          </c:spPr>
-          <c:invertIfNegative val="0"/>
-          <c:cat>
-            <c:strRef>
-              <c:f>Sheet1!$A$8:$A$23</c:f>
-              <c:strCache>
-                <c:ptCount val="16"/>
-                <c:pt idx="0">
-                  <c:v>1NN</c:v>
-                </c:pt>
-                <c:pt idx="1">
-                  <c:v>5NN</c:v>
-                </c:pt>
-                <c:pt idx="2">
-                  <c:v>mode</c:v>
-                </c:pt>
-                <c:pt idx="3">
-                  <c:v>Bernoulli NB</c:v>
-                </c:pt>
-                <c:pt idx="4">
-                  <c:v>50NN</c:v>
-                </c:pt>
-                <c:pt idx="5">
-                  <c:v>average</c:v>
-                </c:pt>
-                <c:pt idx="6">
-                  <c:v>Random Forest</c:v>
-                </c:pt>
-                <c:pt idx="7">
-                  <c:v>tree</c:v>
-                </c:pt>
-                <c:pt idx="10">
-                  <c:v>Lasso</c:v>
-                </c:pt>
-                <c:pt idx="11">
-                  <c:v>regression</c:v>
-                </c:pt>
-                <c:pt idx="12">
-                  <c:v>ridge</c:v>
-                </c:pt>
-                <c:pt idx="15">
-                  <c:v>Divide-and-conquer</c:v>
-                </c:pt>
-              </c:strCache>
-            </c:strRef>
-          </c:cat>
-          <c:val>
-            <c:numRef>
-              <c:f>Sheet1!$C$8:$C$23</c:f>
-              <c:numCache>
-                <c:formatCode>General</c:formatCode>
-                <c:ptCount val="16"/>
-                <c:pt idx="0">
-                  <c:v>14.65</c:v>
-                </c:pt>
-                <c:pt idx="1">
-                  <c:v>14.3063</c:v>
-                </c:pt>
-                <c:pt idx="2">
-                  <c:v>13.9852</c:v>
-                </c:pt>
-                <c:pt idx="3">
-                  <c:v>13.6709</c:v>
-                </c:pt>
-                <c:pt idx="4">
-                  <c:v>13.1308</c:v>
-                </c:pt>
-                <c:pt idx="5">
-                  <c:v>11.0745</c:v>
-                </c:pt>
-                <c:pt idx="6">
-                  <c:v>11.9754</c:v>
-                </c:pt>
-                <c:pt idx="7">
-                  <c:v>11.8121</c:v>
-                </c:pt>
-                <c:pt idx="10">
-                  <c:v>9.824200000000001</c:v>
-                </c:pt>
-                <c:pt idx="11">
-                  <c:v>9.694700000000001</c:v>
-                </c:pt>
-                <c:pt idx="12">
-                  <c:v>9.690900000000001</c:v>
-                </c:pt>
-                <c:pt idx="15">
-                  <c:v>9.42</c:v>
-                </c:pt>
-              </c:numCache>
-            </c:numRef>
-          </c:val>
-        </c:ser>
-        <c:dLbls>
-          <c:showLegendKey val="0"/>
-          <c:showVal val="0"/>
-          <c:showCatName val="0"/>
-          <c:showSerName val="0"/>
-          <c:showPercent val="0"/>
-          <c:showBubbleSize val="0"/>
-        </c:dLbls>
-        <c:gapWidth val="219"/>
-        <c:overlap val="-27"/>
-        <c:axId val="2087932616"/>
-        <c:axId val="2087926600"/>
-      </c:barChart>
-      <c:catAx>
-        <c:axId val="2087932616"/>
-        <c:scaling>
-          <c:orientation val="minMax"/>
-        </c:scaling>
-        <c:delete val="0"/>
-        <c:axPos val="b"/>
-        <c:title>
-          <c:tx>
-            <c:rich>
-              <a:bodyPr/>
-              <a:lstStyle/>
-              <a:p>
-                <a:pPr>
-                  <a:defRPr/>
-                </a:pPr>
-                <a:r>
-                  <a:rPr lang="en-US" altLang="zh-CN" dirty="0" smtClean="0"/>
-                  <a:t>Algorithms</a:t>
-                </a:r>
-                <a:endParaRPr lang="zh-CN" altLang="en-US" dirty="0"/>
-              </a:p>
-            </c:rich>
-          </c:tx>
-          <c:layout>
-            <c:manualLayout>
-              <c:xMode val="edge"/>
-              <c:yMode val="edge"/>
-              <c:x val="0.452719767417389"/>
-              <c:y val="0.807787342014683"/>
-            </c:manualLayout>
-          </c:layout>
-          <c:overlay val="0"/>
-        </c:title>
-        <c:numFmt formatCode="General" sourceLinked="1"/>
-        <c:majorTickMark val="none"/>
-        <c:minorTickMark val="none"/>
-        <c:tickLblPos val="nextTo"/>
-        <c:spPr>
-          <a:noFill/>
-          <a:ln w="28575" cap="flat" cmpd="sng" algn="ctr">
-            <a:solidFill>
-              <a:schemeClr val="tx2"/>
-            </a:solidFill>
-            <a:round/>
-          </a:ln>
-          <a:effectLst/>
-        </c:spPr>
-        <c:txPr>
-          <a:bodyPr rot="-60000000" spcFirstLastPara="1" vertOverflow="ellipsis" vert="horz" wrap="square" anchor="ctr" anchorCtr="1"/>
-          <a:lstStyle/>
-          <a:p>
-            <a:pPr>
-              <a:defRPr lang="zh-CN" sz="1500" b="0" i="0" u="none" strike="noStrike" kern="1200" baseline="0">
-                <a:solidFill>
-                  <a:schemeClr val="tx1">
-                    <a:lumMod val="65000"/>
-                    <a:lumOff val="35000"/>
-                  </a:schemeClr>
-                </a:solidFill>
-                <a:latin typeface="+mn-lt"/>
-                <a:ea typeface="+mn-ea"/>
-                <a:cs typeface="+mn-cs"/>
-              </a:defRPr>
-            </a:pPr>
-            <a:endParaRPr lang="en-US"/>
-          </a:p>
-        </c:txPr>
-        <c:crossAx val="2087926600"/>
-        <c:crosses val="autoZero"/>
-        <c:auto val="1"/>
-        <c:lblAlgn val="ctr"/>
-        <c:lblOffset val="100"/>
-        <c:noMultiLvlLbl val="0"/>
-      </c:catAx>
-      <c:valAx>
-        <c:axId val="2087926600"/>
-        <c:scaling>
-          <c:orientation val="minMax"/>
-          <c:max val="20.0"/>
-          <c:min val="6.0"/>
-        </c:scaling>
-        <c:delete val="0"/>
-        <c:axPos val="l"/>
-        <c:title>
-          <c:tx>
-            <c:rich>
-              <a:bodyPr rot="0" vert="horz"/>
-              <a:lstStyle/>
-              <a:p>
-                <a:pPr>
-                  <a:defRPr/>
-                </a:pPr>
-                <a:r>
-                  <a:rPr lang="en-US" altLang="zh-CN" dirty="0" err="1" smtClean="0"/>
-                  <a:t>Avg</a:t>
-                </a:r>
-                <a:r>
-                  <a:rPr lang="en-US" altLang="zh-CN" dirty="0" smtClean="0"/>
-                  <a:t> </a:t>
-                </a:r>
-              </a:p>
-              <a:p>
-                <a:pPr>
-                  <a:defRPr/>
-                </a:pPr>
-                <a:r>
-                  <a:rPr lang="en-US" altLang="zh-CN" dirty="0" smtClean="0"/>
-                  <a:t>difference</a:t>
-                </a:r>
-                <a:endParaRPr lang="zh-CN" altLang="en-US" dirty="0"/>
-              </a:p>
-            </c:rich>
-          </c:tx>
-          <c:layout>
-            <c:manualLayout>
-              <c:xMode val="edge"/>
-              <c:yMode val="edge"/>
-              <c:x val="0.0106911034746086"/>
-              <c:y val="0.0185047070078218"/>
-            </c:manualLayout>
-          </c:layout>
-          <c:overlay val="0"/>
-        </c:title>
-        <c:numFmt formatCode="General" sourceLinked="1"/>
-        <c:majorTickMark val="none"/>
-        <c:minorTickMark val="none"/>
-        <c:tickLblPos val="nextTo"/>
-        <c:spPr>
-          <a:noFill/>
-          <a:ln w="28575">
-            <a:solidFill>
-              <a:schemeClr val="tx1"/>
-            </a:solidFill>
-          </a:ln>
-          <a:effectLst/>
-        </c:spPr>
-        <c:txPr>
-          <a:bodyPr rot="-60000000" spcFirstLastPara="1" vertOverflow="ellipsis" vert="horz" wrap="square" anchor="ctr" anchorCtr="1"/>
-          <a:lstStyle/>
-          <a:p>
-            <a:pPr>
-              <a:defRPr lang="zh-CN" sz="1500" b="0" i="0" u="none" strike="noStrike" kern="1200" baseline="0">
-                <a:solidFill>
-                  <a:schemeClr val="tx1">
-                    <a:lumMod val="65000"/>
-                    <a:lumOff val="35000"/>
-                  </a:schemeClr>
-                </a:solidFill>
-                <a:latin typeface="+mn-lt"/>
-                <a:ea typeface="+mn-ea"/>
-                <a:cs typeface="+mn-cs"/>
-              </a:defRPr>
-            </a:pPr>
-            <a:endParaRPr lang="en-US"/>
-          </a:p>
-        </c:txPr>
-        <c:crossAx val="2087932616"/>
-        <c:crosses val="autoZero"/>
-        <c:crossBetween val="between"/>
-      </c:valAx>
-      <c:spPr>
-        <a:noFill/>
-        <a:ln>
-          <a:noFill/>
-        </a:ln>
-        <a:effectLst/>
-      </c:spPr>
-    </c:plotArea>
-    <c:legend>
-      <c:legendPos val="b"/>
-      <c:layout>
-        <c:manualLayout>
-          <c:xMode val="edge"/>
-          <c:yMode val="edge"/>
-          <c:x val="0.288992913686476"/>
-          <c:y val="0.938755263928412"/>
-          <c:w val="0.415904850381675"/>
-          <c:h val="0.0483927224545255"/>
-        </c:manualLayout>
-      </c:layout>
-      <c:overlay val="0"/>
-      <c:spPr>
-        <a:noFill/>
-        <a:ln>
-          <a:noFill/>
-        </a:ln>
-        <a:effectLst/>
-      </c:spPr>
-      <c:txPr>
-        <a:bodyPr rot="0" spcFirstLastPara="1" vertOverflow="ellipsis" vert="horz" wrap="square" anchor="ctr" anchorCtr="1"/>
-        <a:lstStyle/>
-        <a:p>
-          <a:pPr>
-            <a:defRPr lang="zh-CN" sz="1500" b="0" i="0" u="none" strike="noStrike" kern="1200" baseline="0">
-              <a:solidFill>
-                <a:schemeClr val="tx1">
-                  <a:lumMod val="65000"/>
-                  <a:lumOff val="35000"/>
-                </a:schemeClr>
-              </a:solidFill>
-              <a:latin typeface="+mn-lt"/>
-              <a:ea typeface="+mn-ea"/>
-              <a:cs typeface="+mn-cs"/>
-            </a:defRPr>
-          </a:pPr>
-          <a:endParaRPr lang="en-US"/>
-        </a:p>
-      </c:txPr>
-    </c:legend>
-    <c:plotVisOnly val="1"/>
-    <c:dispBlanksAs val="gap"/>
-    <c:showDLblsOverMax val="0"/>
-  </c:chart>
-  <c:spPr>
-    <a:noFill/>
-    <a:ln>
-      <a:noFill/>
-    </a:ln>
-    <a:effectLst/>
-  </c:spPr>
-  <c:txPr>
-    <a:bodyPr/>
-    <a:lstStyle/>
-    <a:p>
-      <a:pPr>
-        <a:defRPr sz="1500"/>
-      </a:pPr>
-      <a:endParaRPr lang="en-US"/>
-    </a:p>
-  </c:txPr>
-  <c:externalData r:id="rId1">
-    <c:autoUpdate val="0"/>
-  </c:externalData>
-  <c:userShapes r:id="rId2"/>
-</c:chartSpace>
-</file>
-
-<file path=ppt/drawings/drawing1.xml><?xml version="1.0" encoding="utf-8"?>
-<c:userShapes xmlns:c="http://schemas.openxmlformats.org/drawingml/2006/chart">
-  <cdr:relSizeAnchor xmlns:cdr="http://schemas.openxmlformats.org/drawingml/2006/chartDrawing">
-    <cdr:from>
-      <cdr:x>0.05409</cdr:x>
-      <cdr:y>0.20502</cdr:y>
-    </cdr:from>
-    <cdr:to>
-      <cdr:x>0.51583</cdr:x>
-      <cdr:y>0.26151</cdr:y>
-    </cdr:to>
-    <cdr:sp macro="" textlink="">
-      <cdr:nvSpPr>
-        <cdr:cNvPr id="4" name="右大括号 3"/>
-        <cdr:cNvSpPr/>
-      </cdr:nvSpPr>
-      <cdr:spPr>
-        <a:xfrm xmlns:a="http://schemas.openxmlformats.org/drawingml/2006/main" rot="16200000">
-          <a:off x="2436402" y="-764008"/>
-          <a:ext cx="324850" cy="4211054"/>
-        </a:xfrm>
-        <a:prstGeom xmlns:a="http://schemas.openxmlformats.org/drawingml/2006/main" prst="rightBrace">
-          <a:avLst/>
-        </a:prstGeom>
-      </cdr:spPr>
-      <cdr:style>
-        <a:lnRef xmlns:a="http://schemas.openxmlformats.org/drawingml/2006/main" idx="1">
-          <a:schemeClr val="accent1"/>
-        </a:lnRef>
-        <a:fillRef xmlns:a="http://schemas.openxmlformats.org/drawingml/2006/main" idx="0">
-          <a:schemeClr val="accent1"/>
-        </a:fillRef>
-        <a:effectRef xmlns:a="http://schemas.openxmlformats.org/drawingml/2006/main" idx="0">
-          <a:schemeClr val="accent1"/>
-        </a:effectRef>
-        <a:fontRef xmlns:a="http://schemas.openxmlformats.org/drawingml/2006/main" idx="minor">
-          <a:schemeClr val="tx1"/>
-        </a:fontRef>
-      </cdr:style>
-      <cdr:txBody>
-        <a:bodyPr xmlns:a="http://schemas.openxmlformats.org/drawingml/2006/main" vertOverflow="clip"/>
-        <a:lstStyle xmlns:a="http://schemas.openxmlformats.org/drawingml/2006/main"/>
-        <a:p xmlns:a="http://schemas.openxmlformats.org/drawingml/2006/main">
-          <a:endParaRPr lang="en-US"/>
-        </a:p>
-      </cdr:txBody>
-    </cdr:sp>
-  </cdr:relSizeAnchor>
-  <cdr:relSizeAnchor xmlns:cdr="http://schemas.openxmlformats.org/drawingml/2006/chartDrawing">
-    <cdr:from>
-      <cdr:x>0.1781</cdr:x>
-      <cdr:y>0.11506</cdr:y>
-    </cdr:from>
-    <cdr:to>
-      <cdr:x>0.36016</cdr:x>
-      <cdr:y>0.19456</cdr:y>
-    </cdr:to>
-    <cdr:sp macro="" textlink="">
-      <cdr:nvSpPr>
-        <cdr:cNvPr id="5" name="文本框 4"/>
-        <cdr:cNvSpPr txBox="1"/>
-      </cdr:nvSpPr>
-      <cdr:spPr>
-        <a:xfrm xmlns:a="http://schemas.openxmlformats.org/drawingml/2006/main">
-          <a:off x="1624265" y="661736"/>
-          <a:ext cx="1660358" cy="457200"/>
-        </a:xfrm>
-        <a:prstGeom xmlns:a="http://schemas.openxmlformats.org/drawingml/2006/main" prst="rect">
-          <a:avLst/>
-        </a:prstGeom>
-      </cdr:spPr>
-      <cdr:txBody>
-        <a:bodyPr xmlns:a="http://schemas.openxmlformats.org/drawingml/2006/main" vertOverflow="clip" wrap="square" rtlCol="0"/>
-        <a:lstStyle xmlns:a="http://schemas.openxmlformats.org/drawingml/2006/main"/>
-        <a:p xmlns:a="http://schemas.openxmlformats.org/drawingml/2006/main">
-          <a:endParaRPr lang="en-US" sz="1100" dirty="0"/>
-        </a:p>
-      </cdr:txBody>
-    </cdr:sp>
-  </cdr:relSizeAnchor>
-  <cdr:relSizeAnchor xmlns:cdr="http://schemas.openxmlformats.org/drawingml/2006/chartDrawing">
-    <cdr:from>
-      <cdr:x>0.21636</cdr:x>
-      <cdr:y>0.1318</cdr:y>
-    </cdr:from>
-    <cdr:to>
-      <cdr:x>0.39182</cdr:x>
-      <cdr:y>0.18828</cdr:y>
-    </cdr:to>
-    <cdr:sp macro="" textlink="">
-      <cdr:nvSpPr>
-        <cdr:cNvPr id="6" name="文本框 5"/>
-        <cdr:cNvSpPr txBox="1"/>
-      </cdr:nvSpPr>
-      <cdr:spPr>
-        <a:xfrm xmlns:a="http://schemas.openxmlformats.org/drawingml/2006/main">
-          <a:off x="1973180" y="757989"/>
-          <a:ext cx="1600200" cy="324852"/>
-        </a:xfrm>
-        <a:prstGeom xmlns:a="http://schemas.openxmlformats.org/drawingml/2006/main" prst="rect">
-          <a:avLst/>
-        </a:prstGeom>
-      </cdr:spPr>
-      <cdr:txBody>
-        <a:bodyPr xmlns:a="http://schemas.openxmlformats.org/drawingml/2006/main" vertOverflow="clip" wrap="square" rtlCol="0"/>
-        <a:lstStyle xmlns:a="http://schemas.openxmlformats.org/drawingml/2006/main"/>
-        <a:p xmlns:a="http://schemas.openxmlformats.org/drawingml/2006/main">
-          <a:r>
-            <a:rPr lang="en-US" sz="1800" dirty="0">
-              <a:latin typeface="Times New Roman" panose="02020603050405020304" pitchFamily="18" charset="0"/>
-              <a:cs typeface="Times New Roman" panose="02020603050405020304" pitchFamily="18" charset="0"/>
-            </a:rPr>
-            <a:t>C</a:t>
-          </a:r>
-          <a:r>
-            <a:rPr lang="en-US" sz="1800" dirty="0" smtClean="0">
-              <a:latin typeface="Times New Roman" panose="02020603050405020304" pitchFamily="18" charset="0"/>
-              <a:cs typeface="Times New Roman" panose="02020603050405020304" pitchFamily="18" charset="0"/>
-            </a:rPr>
-            <a:t>lassification</a:t>
-          </a:r>
-          <a:endParaRPr lang="en-US" sz="1800" dirty="0">
-            <a:latin typeface="Times New Roman" panose="02020603050405020304" pitchFamily="18" charset="0"/>
-            <a:cs typeface="Times New Roman" panose="02020603050405020304" pitchFamily="18" charset="0"/>
-          </a:endParaRPr>
-        </a:p>
-      </cdr:txBody>
-    </cdr:sp>
-  </cdr:relSizeAnchor>
-  <cdr:relSizeAnchor xmlns:cdr="http://schemas.openxmlformats.org/drawingml/2006/chartDrawing">
-    <cdr:from>
-      <cdr:x>0.6554</cdr:x>
-      <cdr:y>0.32218</cdr:y>
-    </cdr:from>
-    <cdr:to>
-      <cdr:x>0.83086</cdr:x>
-      <cdr:y>0.37866</cdr:y>
-    </cdr:to>
-    <cdr:sp macro="" textlink="">
-      <cdr:nvSpPr>
-        <cdr:cNvPr id="7" name="文本框 1"/>
-        <cdr:cNvSpPr txBox="1"/>
-      </cdr:nvSpPr>
-      <cdr:spPr>
-        <a:xfrm xmlns:a="http://schemas.openxmlformats.org/drawingml/2006/main">
-          <a:off x="5740652" y="1852863"/>
-          <a:ext cx="1536868" cy="324852"/>
-        </a:xfrm>
-        <a:prstGeom xmlns:a="http://schemas.openxmlformats.org/drawingml/2006/main" prst="rect">
-          <a:avLst/>
-        </a:prstGeom>
-      </cdr:spPr>
-      <cdr:txBody>
-        <a:bodyPr xmlns:a="http://schemas.openxmlformats.org/drawingml/2006/main" wrap="square" rtlCol="0"/>
-        <a:lstStyle xmlns:a="http://schemas.openxmlformats.org/drawingml/2006/main">
-          <a:lvl1pPr marL="0" indent="0">
-            <a:defRPr sz="1100">
-              <a:latin typeface="+mn-lt"/>
-              <a:ea typeface="+mn-ea"/>
-              <a:cs typeface="+mn-cs"/>
-            </a:defRPr>
-          </a:lvl1pPr>
-          <a:lvl2pPr marL="457200" indent="0">
-            <a:defRPr sz="1100">
-              <a:latin typeface="+mn-lt"/>
-              <a:ea typeface="+mn-ea"/>
-              <a:cs typeface="+mn-cs"/>
-            </a:defRPr>
-          </a:lvl2pPr>
-          <a:lvl3pPr marL="914400" indent="0">
-            <a:defRPr sz="1100">
-              <a:latin typeface="+mn-lt"/>
-              <a:ea typeface="+mn-ea"/>
-              <a:cs typeface="+mn-cs"/>
-            </a:defRPr>
-          </a:lvl3pPr>
-          <a:lvl4pPr marL="1371600" indent="0">
-            <a:defRPr sz="1100">
-              <a:latin typeface="+mn-lt"/>
-              <a:ea typeface="+mn-ea"/>
-              <a:cs typeface="+mn-cs"/>
-            </a:defRPr>
-          </a:lvl4pPr>
-          <a:lvl5pPr marL="1828800" indent="0">
-            <a:defRPr sz="1100">
-              <a:latin typeface="+mn-lt"/>
-              <a:ea typeface="+mn-ea"/>
-              <a:cs typeface="+mn-cs"/>
-            </a:defRPr>
-          </a:lvl5pPr>
-          <a:lvl6pPr marL="2286000" indent="0">
-            <a:defRPr sz="1100">
-              <a:latin typeface="+mn-lt"/>
-              <a:ea typeface="+mn-ea"/>
-              <a:cs typeface="+mn-cs"/>
-            </a:defRPr>
-          </a:lvl6pPr>
-          <a:lvl7pPr marL="2743200" indent="0">
-            <a:defRPr sz="1100">
-              <a:latin typeface="+mn-lt"/>
-              <a:ea typeface="+mn-ea"/>
-              <a:cs typeface="+mn-cs"/>
-            </a:defRPr>
-          </a:lvl7pPr>
-          <a:lvl8pPr marL="3200400" indent="0">
-            <a:defRPr sz="1100">
-              <a:latin typeface="+mn-lt"/>
-              <a:ea typeface="+mn-ea"/>
-              <a:cs typeface="+mn-cs"/>
-            </a:defRPr>
-          </a:lvl8pPr>
-          <a:lvl9pPr marL="3657600" indent="0">
-            <a:defRPr sz="1100">
-              <a:latin typeface="+mn-lt"/>
-              <a:ea typeface="+mn-ea"/>
-              <a:cs typeface="+mn-cs"/>
-            </a:defRPr>
-          </a:lvl9pPr>
-        </a:lstStyle>
-        <a:p xmlns:a="http://schemas.openxmlformats.org/drawingml/2006/main">
-          <a:r>
-            <a:rPr lang="en-US" sz="1800" dirty="0" smtClean="0">
-              <a:latin typeface="Times New Roman" panose="02020603050405020304" pitchFamily="18" charset="0"/>
-              <a:cs typeface="Times New Roman" panose="02020603050405020304" pitchFamily="18" charset="0"/>
-            </a:rPr>
-            <a:t>Regression</a:t>
-          </a:r>
-          <a:endParaRPr lang="en-US" sz="1800" dirty="0">
-            <a:latin typeface="Times New Roman" panose="02020603050405020304" pitchFamily="18" charset="0"/>
-            <a:cs typeface="Times New Roman" panose="02020603050405020304" pitchFamily="18" charset="0"/>
-          </a:endParaRPr>
-        </a:p>
-      </cdr:txBody>
-    </cdr:sp>
-  </cdr:relSizeAnchor>
-  <cdr:relSizeAnchor xmlns:cdr="http://schemas.openxmlformats.org/drawingml/2006/chartDrawing">
-    <cdr:from>
-      <cdr:x>0.63736</cdr:x>
-      <cdr:y>0.39017</cdr:y>
-    </cdr:from>
-    <cdr:to>
-      <cdr:x>0.81456</cdr:x>
-      <cdr:y>0.43933</cdr:y>
-    </cdr:to>
-    <cdr:sp macro="" textlink="">
-      <cdr:nvSpPr>
-        <cdr:cNvPr id="8" name="右大括号 7"/>
-        <cdr:cNvSpPr/>
-      </cdr:nvSpPr>
-      <cdr:spPr>
-        <a:xfrm xmlns:a="http://schemas.openxmlformats.org/drawingml/2006/main" rot="16200000">
-          <a:off x="6217323" y="1609221"/>
-          <a:ext cx="282742" cy="1552077"/>
-        </a:xfrm>
-        <a:prstGeom xmlns:a="http://schemas.openxmlformats.org/drawingml/2006/main" prst="rightBrace">
-          <a:avLst/>
-        </a:prstGeom>
-      </cdr:spPr>
-      <cdr:style>
-        <a:lnRef xmlns:a="http://schemas.openxmlformats.org/drawingml/2006/main" idx="1">
-          <a:schemeClr val="accent1"/>
-        </a:lnRef>
-        <a:fillRef xmlns:a="http://schemas.openxmlformats.org/drawingml/2006/main" idx="0">
-          <a:schemeClr val="accent1"/>
-        </a:fillRef>
-        <a:effectRef xmlns:a="http://schemas.openxmlformats.org/drawingml/2006/main" idx="0">
-          <a:schemeClr val="accent1"/>
-        </a:effectRef>
-        <a:fontRef xmlns:a="http://schemas.openxmlformats.org/drawingml/2006/main" idx="minor">
-          <a:schemeClr val="tx1"/>
-        </a:fontRef>
-      </cdr:style>
-      <cdr:txBody>
-        <a:bodyPr xmlns:a="http://schemas.openxmlformats.org/drawingml/2006/main"/>
-        <a:lstStyle xmlns:a="http://schemas.openxmlformats.org/drawingml/2006/main">
-          <a:lvl1pPr marL="0" indent="0">
-            <a:defRPr sz="1100">
-              <a:solidFill>
-                <a:schemeClr val="tx1"/>
-              </a:solidFill>
-              <a:latin typeface="+mn-lt"/>
-              <a:ea typeface="+mn-ea"/>
-              <a:cs typeface="+mn-cs"/>
-            </a:defRPr>
-          </a:lvl1pPr>
-          <a:lvl2pPr marL="457200" indent="0">
-            <a:defRPr sz="1100">
-              <a:solidFill>
-                <a:schemeClr val="tx1"/>
-              </a:solidFill>
-              <a:latin typeface="+mn-lt"/>
-              <a:ea typeface="+mn-ea"/>
-              <a:cs typeface="+mn-cs"/>
-            </a:defRPr>
-          </a:lvl2pPr>
-          <a:lvl3pPr marL="914400" indent="0">
-            <a:defRPr sz="1100">
-              <a:solidFill>
-                <a:schemeClr val="tx1"/>
-              </a:solidFill>
-              <a:latin typeface="+mn-lt"/>
-              <a:ea typeface="+mn-ea"/>
-              <a:cs typeface="+mn-cs"/>
-            </a:defRPr>
-          </a:lvl3pPr>
-          <a:lvl4pPr marL="1371600" indent="0">
-            <a:defRPr sz="1100">
-              <a:solidFill>
-                <a:schemeClr val="tx1"/>
-              </a:solidFill>
-              <a:latin typeface="+mn-lt"/>
-              <a:ea typeface="+mn-ea"/>
-              <a:cs typeface="+mn-cs"/>
-            </a:defRPr>
-          </a:lvl4pPr>
-          <a:lvl5pPr marL="1828800" indent="0">
-            <a:defRPr sz="1100">
-              <a:solidFill>
-                <a:schemeClr val="tx1"/>
-              </a:solidFill>
-              <a:latin typeface="+mn-lt"/>
-              <a:ea typeface="+mn-ea"/>
-              <a:cs typeface="+mn-cs"/>
-            </a:defRPr>
-          </a:lvl5pPr>
-          <a:lvl6pPr marL="2286000" indent="0">
-            <a:defRPr sz="1100">
-              <a:solidFill>
-                <a:schemeClr val="tx1"/>
-              </a:solidFill>
-              <a:latin typeface="+mn-lt"/>
-              <a:ea typeface="+mn-ea"/>
-              <a:cs typeface="+mn-cs"/>
-            </a:defRPr>
-          </a:lvl6pPr>
-          <a:lvl7pPr marL="2743200" indent="0">
-            <a:defRPr sz="1100">
-              <a:solidFill>
-                <a:schemeClr val="tx1"/>
-              </a:solidFill>
-              <a:latin typeface="+mn-lt"/>
-              <a:ea typeface="+mn-ea"/>
-              <a:cs typeface="+mn-cs"/>
-            </a:defRPr>
-          </a:lvl7pPr>
-          <a:lvl8pPr marL="3200400" indent="0">
-            <a:defRPr sz="1100">
-              <a:solidFill>
-                <a:schemeClr val="tx1"/>
-              </a:solidFill>
-              <a:latin typeface="+mn-lt"/>
-              <a:ea typeface="+mn-ea"/>
-              <a:cs typeface="+mn-cs"/>
-            </a:defRPr>
-          </a:lvl8pPr>
-          <a:lvl9pPr marL="3657600" indent="0">
-            <a:defRPr sz="1100">
-              <a:solidFill>
-                <a:schemeClr val="tx1"/>
-              </a:solidFill>
-              <a:latin typeface="+mn-lt"/>
-              <a:ea typeface="+mn-ea"/>
-              <a:cs typeface="+mn-cs"/>
-            </a:defRPr>
-          </a:lvl9pPr>
-        </a:lstStyle>
-        <a:p xmlns:a="http://schemas.openxmlformats.org/drawingml/2006/main">
-          <a:endParaRPr lang="en-US"/>
-        </a:p>
-      </cdr:txBody>
-    </cdr:sp>
-  </cdr:relSizeAnchor>
-  <cdr:relSizeAnchor xmlns:cdr="http://schemas.openxmlformats.org/drawingml/2006/chartDrawing">
-    <cdr:from>
-      <cdr:x>0.33594</cdr:x>
-      <cdr:y>0.26056</cdr:y>
-    </cdr:from>
-    <cdr:to>
-      <cdr:x>0.40201</cdr:x>
-      <cdr:y>0.84285</cdr:y>
-    </cdr:to>
-    <cdr:sp macro="" textlink="">
-      <cdr:nvSpPr>
-        <cdr:cNvPr id="9" name="矩形 8"/>
-        <cdr:cNvSpPr/>
-      </cdr:nvSpPr>
-      <cdr:spPr>
-        <a:xfrm xmlns:a="http://schemas.openxmlformats.org/drawingml/2006/main">
-          <a:off x="2793438" y="1544862"/>
-          <a:ext cx="549374" cy="3452438"/>
-        </a:xfrm>
-        <a:prstGeom xmlns:a="http://schemas.openxmlformats.org/drawingml/2006/main" prst="rect">
-          <a:avLst/>
-        </a:prstGeom>
-        <a:solidFill xmlns:a="http://schemas.openxmlformats.org/drawingml/2006/main">
-          <a:schemeClr val="accent1">
-            <a:alpha val="0"/>
-          </a:schemeClr>
-        </a:solidFill>
-        <a:ln xmlns:a="http://schemas.openxmlformats.org/drawingml/2006/main" w="25400">
-          <a:solidFill>
-            <a:srgbClr val="FF0000"/>
-          </a:solidFill>
-          <a:prstDash val="dash"/>
-        </a:ln>
-      </cdr:spPr>
-      <cdr:style>
-        <a:lnRef xmlns:a="http://schemas.openxmlformats.org/drawingml/2006/main" idx="2">
-          <a:schemeClr val="accent1">
-            <a:shade val="50000"/>
-          </a:schemeClr>
-        </a:lnRef>
-        <a:fillRef xmlns:a="http://schemas.openxmlformats.org/drawingml/2006/main" idx="1">
-          <a:schemeClr val="accent1"/>
-        </a:fillRef>
-        <a:effectRef xmlns:a="http://schemas.openxmlformats.org/drawingml/2006/main" idx="0">
-          <a:schemeClr val="accent1"/>
-        </a:effectRef>
-        <a:fontRef xmlns:a="http://schemas.openxmlformats.org/drawingml/2006/main" idx="minor">
-          <a:schemeClr val="lt1"/>
-        </a:fontRef>
-      </cdr:style>
-      <cdr:txBody>
-        <a:bodyPr xmlns:a="http://schemas.openxmlformats.org/drawingml/2006/main" rot="0" spcFirstLastPara="0" vert="horz" wrap="square" lIns="91440" tIns="45720" rIns="91440" bIns="45720" numCol="1" spcCol="0" rtlCol="0" fromWordArt="0" anchor="ctr" anchorCtr="0" forceAA="0" compatLnSpc="1">
-          <a:prstTxWarp prst="textNoShape">
-            <a:avLst/>
-          </a:prstTxWarp>
-          <a:noAutofit/>
-        </a:bodyPr>
-        <a:lstStyle xmlns:a="http://schemas.openxmlformats.org/drawingml/2006/main">
-          <a:defPPr>
-            <a:defRPr lang="en-US"/>
-          </a:defPPr>
-          <a:lvl1pPr marL="0" algn="l" defTabSz="914400" rtl="0" eaLnBrk="1" latinLnBrk="0" hangingPunct="1">
-            <a:defRPr sz="1800" kern="1200">
-              <a:solidFill>
-                <a:schemeClr val="lt1"/>
-              </a:solidFill>
-              <a:latin typeface="+mn-lt"/>
-              <a:ea typeface="+mn-ea"/>
-              <a:cs typeface="+mn-cs"/>
-            </a:defRPr>
-          </a:lvl1pPr>
-          <a:lvl2pPr marL="457200" algn="l" defTabSz="914400" rtl="0" eaLnBrk="1" latinLnBrk="0" hangingPunct="1">
-            <a:defRPr sz="1800" kern="1200">
-              <a:solidFill>
-                <a:schemeClr val="lt1"/>
-              </a:solidFill>
-              <a:latin typeface="+mn-lt"/>
-              <a:ea typeface="+mn-ea"/>
-              <a:cs typeface="+mn-cs"/>
-            </a:defRPr>
-          </a:lvl2pPr>
-          <a:lvl3pPr marL="914400" algn="l" defTabSz="914400" rtl="0" eaLnBrk="1" latinLnBrk="0" hangingPunct="1">
-            <a:defRPr sz="1800" kern="1200">
-              <a:solidFill>
-                <a:schemeClr val="lt1"/>
-              </a:solidFill>
-              <a:latin typeface="+mn-lt"/>
-              <a:ea typeface="+mn-ea"/>
-              <a:cs typeface="+mn-cs"/>
-            </a:defRPr>
-          </a:lvl3pPr>
-          <a:lvl4pPr marL="1371600" algn="l" defTabSz="914400" rtl="0" eaLnBrk="1" latinLnBrk="0" hangingPunct="1">
-            <a:defRPr sz="1800" kern="1200">
-              <a:solidFill>
-                <a:schemeClr val="lt1"/>
-              </a:solidFill>
-              <a:latin typeface="+mn-lt"/>
-              <a:ea typeface="+mn-ea"/>
-              <a:cs typeface="+mn-cs"/>
-            </a:defRPr>
-          </a:lvl4pPr>
-          <a:lvl5pPr marL="1828800" algn="l" defTabSz="914400" rtl="0" eaLnBrk="1" latinLnBrk="0" hangingPunct="1">
-            <a:defRPr sz="1800" kern="1200">
-              <a:solidFill>
-                <a:schemeClr val="lt1"/>
-              </a:solidFill>
-              <a:latin typeface="+mn-lt"/>
-              <a:ea typeface="+mn-ea"/>
-              <a:cs typeface="+mn-cs"/>
-            </a:defRPr>
-          </a:lvl5pPr>
-          <a:lvl6pPr marL="2286000" algn="l" defTabSz="914400" rtl="0" eaLnBrk="1" latinLnBrk="0" hangingPunct="1">
-            <a:defRPr sz="1800" kern="1200">
-              <a:solidFill>
-                <a:schemeClr val="lt1"/>
-              </a:solidFill>
-              <a:latin typeface="+mn-lt"/>
-              <a:ea typeface="+mn-ea"/>
-              <a:cs typeface="+mn-cs"/>
-            </a:defRPr>
-          </a:lvl6pPr>
-          <a:lvl7pPr marL="2743200" algn="l" defTabSz="914400" rtl="0" eaLnBrk="1" latinLnBrk="0" hangingPunct="1">
-            <a:defRPr sz="1800" kern="1200">
-              <a:solidFill>
-                <a:schemeClr val="lt1"/>
-              </a:solidFill>
-              <a:latin typeface="+mn-lt"/>
-              <a:ea typeface="+mn-ea"/>
-              <a:cs typeface="+mn-cs"/>
-            </a:defRPr>
-          </a:lvl7pPr>
-          <a:lvl8pPr marL="3200400" algn="l" defTabSz="914400" rtl="0" eaLnBrk="1" latinLnBrk="0" hangingPunct="1">
-            <a:defRPr sz="1800" kern="1200">
-              <a:solidFill>
-                <a:schemeClr val="lt1"/>
-              </a:solidFill>
-              <a:latin typeface="+mn-lt"/>
-              <a:ea typeface="+mn-ea"/>
-              <a:cs typeface="+mn-cs"/>
-            </a:defRPr>
-          </a:lvl8pPr>
-          <a:lvl9pPr marL="3657600" algn="l" defTabSz="914400" rtl="0" eaLnBrk="1" latinLnBrk="0" hangingPunct="1">
-            <a:defRPr sz="1800" kern="1200">
-              <a:solidFill>
-                <a:schemeClr val="lt1"/>
-              </a:solidFill>
-              <a:latin typeface="+mn-lt"/>
-              <a:ea typeface="+mn-ea"/>
-              <a:cs typeface="+mn-cs"/>
-            </a:defRPr>
-          </a:lvl9pPr>
-        </a:lstStyle>
-        <a:p xmlns:a="http://schemas.openxmlformats.org/drawingml/2006/main">
-          <a:pPr algn="ctr"/>
-          <a:endParaRPr lang="en-US"/>
-        </a:p>
-      </cdr:txBody>
-    </cdr:sp>
-  </cdr:relSizeAnchor>
-  <cdr:relSizeAnchor xmlns:cdr="http://schemas.openxmlformats.org/drawingml/2006/chartDrawing">
-    <cdr:from>
-      <cdr:x>0.73367</cdr:x>
-      <cdr:y>0.47099</cdr:y>
-    </cdr:from>
-    <cdr:to>
-      <cdr:x>0.9783</cdr:x>
-      <cdr:y>0.93607</cdr:y>
-    </cdr:to>
-    <cdr:sp macro="" textlink="">
-      <cdr:nvSpPr>
-        <cdr:cNvPr id="10" name="矩形 9"/>
-        <cdr:cNvSpPr/>
-      </cdr:nvSpPr>
-      <cdr:spPr>
-        <a:xfrm xmlns:a="http://schemas.openxmlformats.org/drawingml/2006/main">
-          <a:off x="6100743" y="2792515"/>
-          <a:ext cx="2034139" cy="2757474"/>
-        </a:xfrm>
-        <a:prstGeom xmlns:a="http://schemas.openxmlformats.org/drawingml/2006/main" prst="rect">
-          <a:avLst/>
-        </a:prstGeom>
-        <a:solidFill xmlns:a="http://schemas.openxmlformats.org/drawingml/2006/main">
-          <a:schemeClr val="accent1">
-            <a:alpha val="0"/>
-          </a:schemeClr>
-        </a:solidFill>
-        <a:ln xmlns:a="http://schemas.openxmlformats.org/drawingml/2006/main" w="25400">
-          <a:solidFill>
-            <a:srgbClr val="FF0000"/>
-          </a:solidFill>
-          <a:prstDash val="dash"/>
-        </a:ln>
-      </cdr:spPr>
-      <cdr:style>
-        <a:lnRef xmlns:a="http://schemas.openxmlformats.org/drawingml/2006/main" idx="2">
-          <a:schemeClr val="accent1">
-            <a:shade val="50000"/>
-          </a:schemeClr>
-        </a:lnRef>
-        <a:fillRef xmlns:a="http://schemas.openxmlformats.org/drawingml/2006/main" idx="1">
-          <a:schemeClr val="accent1"/>
-        </a:fillRef>
-        <a:effectRef xmlns:a="http://schemas.openxmlformats.org/drawingml/2006/main" idx="0">
-          <a:schemeClr val="accent1"/>
-        </a:effectRef>
-        <a:fontRef xmlns:a="http://schemas.openxmlformats.org/drawingml/2006/main" idx="minor">
-          <a:schemeClr val="lt1"/>
-        </a:fontRef>
-      </cdr:style>
-      <cdr:txBody>
-        <a:bodyPr xmlns:a="http://schemas.openxmlformats.org/drawingml/2006/main" rot="0" spcFirstLastPara="0" vert="horz" wrap="square" lIns="91440" tIns="45720" rIns="91440" bIns="45720" numCol="1" spcCol="0" rtlCol="0" fromWordArt="0" anchor="ctr" anchorCtr="0" forceAA="0" compatLnSpc="1">
-          <a:prstTxWarp prst="textNoShape">
-            <a:avLst/>
-          </a:prstTxWarp>
-          <a:noAutofit/>
-        </a:bodyPr>
-        <a:lstStyle xmlns:a="http://schemas.openxmlformats.org/drawingml/2006/main">
-          <a:defPPr>
-            <a:defRPr lang="en-US"/>
-          </a:defPPr>
-          <a:lvl1pPr marL="0" algn="l" defTabSz="914400" rtl="0" eaLnBrk="1" latinLnBrk="0" hangingPunct="1">
-            <a:defRPr sz="1800" kern="1200">
-              <a:solidFill>
-                <a:schemeClr val="lt1"/>
-              </a:solidFill>
-              <a:latin typeface="+mn-lt"/>
-              <a:ea typeface="+mn-ea"/>
-              <a:cs typeface="+mn-cs"/>
-            </a:defRPr>
-          </a:lvl1pPr>
-          <a:lvl2pPr marL="457200" algn="l" defTabSz="914400" rtl="0" eaLnBrk="1" latinLnBrk="0" hangingPunct="1">
-            <a:defRPr sz="1800" kern="1200">
-              <a:solidFill>
-                <a:schemeClr val="lt1"/>
-              </a:solidFill>
-              <a:latin typeface="+mn-lt"/>
-              <a:ea typeface="+mn-ea"/>
-              <a:cs typeface="+mn-cs"/>
-            </a:defRPr>
-          </a:lvl2pPr>
-          <a:lvl3pPr marL="914400" algn="l" defTabSz="914400" rtl="0" eaLnBrk="1" latinLnBrk="0" hangingPunct="1">
-            <a:defRPr sz="1800" kern="1200">
-              <a:solidFill>
-                <a:schemeClr val="lt1"/>
-              </a:solidFill>
-              <a:latin typeface="+mn-lt"/>
-              <a:ea typeface="+mn-ea"/>
-              <a:cs typeface="+mn-cs"/>
-            </a:defRPr>
-          </a:lvl3pPr>
-          <a:lvl4pPr marL="1371600" algn="l" defTabSz="914400" rtl="0" eaLnBrk="1" latinLnBrk="0" hangingPunct="1">
-            <a:defRPr sz="1800" kern="1200">
-              <a:solidFill>
-                <a:schemeClr val="lt1"/>
-              </a:solidFill>
-              <a:latin typeface="+mn-lt"/>
-              <a:ea typeface="+mn-ea"/>
-              <a:cs typeface="+mn-cs"/>
-            </a:defRPr>
-          </a:lvl4pPr>
-          <a:lvl5pPr marL="1828800" algn="l" defTabSz="914400" rtl="0" eaLnBrk="1" latinLnBrk="0" hangingPunct="1">
-            <a:defRPr sz="1800" kern="1200">
-              <a:solidFill>
-                <a:schemeClr val="lt1"/>
-              </a:solidFill>
-              <a:latin typeface="+mn-lt"/>
-              <a:ea typeface="+mn-ea"/>
-              <a:cs typeface="+mn-cs"/>
-            </a:defRPr>
-          </a:lvl5pPr>
-          <a:lvl6pPr marL="2286000" algn="l" defTabSz="914400" rtl="0" eaLnBrk="1" latinLnBrk="0" hangingPunct="1">
-            <a:defRPr sz="1800" kern="1200">
-              <a:solidFill>
-                <a:schemeClr val="lt1"/>
-              </a:solidFill>
-              <a:latin typeface="+mn-lt"/>
-              <a:ea typeface="+mn-ea"/>
-              <a:cs typeface="+mn-cs"/>
-            </a:defRPr>
-          </a:lvl6pPr>
-          <a:lvl7pPr marL="2743200" algn="l" defTabSz="914400" rtl="0" eaLnBrk="1" latinLnBrk="0" hangingPunct="1">
-            <a:defRPr sz="1800" kern="1200">
-              <a:solidFill>
-                <a:schemeClr val="lt1"/>
-              </a:solidFill>
-              <a:latin typeface="+mn-lt"/>
-              <a:ea typeface="+mn-ea"/>
-              <a:cs typeface="+mn-cs"/>
-            </a:defRPr>
-          </a:lvl7pPr>
-          <a:lvl8pPr marL="3200400" algn="l" defTabSz="914400" rtl="0" eaLnBrk="1" latinLnBrk="0" hangingPunct="1">
-            <a:defRPr sz="1800" kern="1200">
-              <a:solidFill>
-                <a:schemeClr val="lt1"/>
-              </a:solidFill>
-              <a:latin typeface="+mn-lt"/>
-              <a:ea typeface="+mn-ea"/>
-              <a:cs typeface="+mn-cs"/>
-            </a:defRPr>
-          </a:lvl8pPr>
-          <a:lvl9pPr marL="3657600" algn="l" defTabSz="914400" rtl="0" eaLnBrk="1" latinLnBrk="0" hangingPunct="1">
-            <a:defRPr sz="1800" kern="1200">
-              <a:solidFill>
-                <a:schemeClr val="lt1"/>
-              </a:solidFill>
-              <a:latin typeface="+mn-lt"/>
-              <a:ea typeface="+mn-ea"/>
-              <a:cs typeface="+mn-cs"/>
-            </a:defRPr>
-          </a:lvl9pPr>
-        </a:lstStyle>
-        <a:p xmlns:a="http://schemas.openxmlformats.org/drawingml/2006/main">
-          <a:pPr algn="ctr"/>
-          <a:endParaRPr lang="en-US"/>
-        </a:p>
-      </cdr:txBody>
-    </cdr:sp>
-  </cdr:relSizeAnchor>
-</c:userShapes>
 </file>
 
 <file path=ppt/notesMasters/notesMaster1.xml><?xml version="1.0" encoding="utf-8"?>
@@ -2719,7 +1479,7 @@
         </p:nvSpPr>
         <p:spPr bwMode="auto">
           <a:xfrm>
-            <a:off x="31986742" y="24524099"/>
+            <a:off x="31905678" y="22416457"/>
             <a:ext cx="8601075" cy="1169551"/>
           </a:xfrm>
           <a:prstGeom prst="rect">
@@ -3192,7 +1952,25 @@
               <a:rPr lang="en-US" sz="2450" dirty="0" smtClean="0">
                 <a:latin typeface="Times New Roman" pitchFamily="18" charset="0"/>
               </a:rPr>
-              <a:t>Stern each word  and remove </a:t>
+              <a:t>Word </a:t>
+            </a:r>
+            <a:r>
+              <a:rPr lang="en-US" sz="2450" dirty="0" err="1" smtClean="0">
+                <a:latin typeface="Times New Roman" pitchFamily="18" charset="0"/>
+              </a:rPr>
+              <a:t>steming</a:t>
+            </a:r>
+            <a:r>
+              <a:rPr lang="en-US" sz="2450" dirty="0" smtClean="0">
+                <a:latin typeface="Times New Roman" pitchFamily="18" charset="0"/>
+              </a:rPr>
+              <a:t>  </a:t>
+            </a:r>
+            <a:r>
+              <a:rPr lang="en-US" sz="2450" dirty="0" smtClean="0">
+                <a:latin typeface="Times New Roman" pitchFamily="18" charset="0"/>
+              </a:rPr>
+              <a:t>and remove </a:t>
             </a:r>
             <a:r>
               <a:rPr lang="en-US" sz="2450" dirty="0" err="1" smtClean="0">
@@ -3677,984 +2455,6 @@
           </a:p>
         </p:txBody>
       </p:sp>
-      <p:grpSp>
-        <p:nvGrpSpPr>
-          <p:cNvPr id="186" name="组合 185"/>
-          <p:cNvGrpSpPr/>
-          <p:nvPr/>
-        </p:nvGrpSpPr>
-        <p:grpSpPr>
-          <a:xfrm>
-            <a:off x="32195696" y="20586301"/>
-            <a:ext cx="7797351" cy="3870960"/>
-            <a:chOff x="1443789" y="806115"/>
-            <a:chExt cx="8181474" cy="4764506"/>
-          </a:xfrm>
-        </p:grpSpPr>
-        <p:grpSp>
-          <p:nvGrpSpPr>
-            <p:cNvPr id="187" name="组合 186"/>
-            <p:cNvGrpSpPr/>
-            <p:nvPr/>
-          </p:nvGrpSpPr>
-          <p:grpSpPr>
-            <a:xfrm>
-              <a:off x="2354179" y="806115"/>
-              <a:ext cx="6248400" cy="3164306"/>
-              <a:chOff x="1524000" y="457200"/>
-              <a:chExt cx="6248400" cy="4876800"/>
-            </a:xfrm>
-          </p:grpSpPr>
-          <p:sp>
-            <p:nvSpPr>
-              <p:cNvPr id="198" name="Rectangle 10"/>
-              <p:cNvSpPr/>
-              <p:nvPr/>
-            </p:nvSpPr>
-            <p:spPr>
-              <a:xfrm>
-                <a:off x="3886200" y="457200"/>
-                <a:ext cx="1524000" cy="762000"/>
-              </a:xfrm>
-              <a:prstGeom prst="rect">
-                <a:avLst/>
-              </a:prstGeom>
-            </p:spPr>
-            <p:style>
-              <a:lnRef idx="2">
-                <a:schemeClr val="accent1">
-                  <a:shade val="50000"/>
-                </a:schemeClr>
-              </a:lnRef>
-              <a:fillRef idx="1">
-                <a:schemeClr val="accent1"/>
-              </a:fillRef>
-              <a:effectRef idx="0">
-                <a:schemeClr val="accent1"/>
-              </a:effectRef>
-              <a:fontRef idx="minor">
-                <a:schemeClr val="lt1"/>
-              </a:fontRef>
-            </p:style>
-            <p:txBody>
-              <a:bodyPr rtlCol="0" anchor="ctr"/>
-              <a:lstStyle/>
-              <a:p>
-                <a:pPr algn="ctr"/>
-                <a:r>
-                  <a:rPr lang="en-US" sz="1500" dirty="0">
-                    <a:solidFill>
-                      <a:schemeClr val="tx1"/>
-                    </a:solidFill>
-                  </a:rPr>
-                  <a:t>Data</a:t>
-                </a:r>
-              </a:p>
-            </p:txBody>
-          </p:sp>
-          <p:sp>
-            <p:nvSpPr>
-              <p:cNvPr id="199" name="Diamond 11"/>
-              <p:cNvSpPr/>
-              <p:nvPr/>
-            </p:nvSpPr>
-            <p:spPr>
-              <a:xfrm>
-                <a:off x="3733800" y="2286000"/>
-                <a:ext cx="1828800" cy="1447800"/>
-              </a:xfrm>
-              <a:prstGeom prst="diamond">
-                <a:avLst/>
-              </a:prstGeom>
-            </p:spPr>
-            <p:style>
-              <a:lnRef idx="2">
-                <a:schemeClr val="accent1">
-                  <a:shade val="50000"/>
-                </a:schemeClr>
-              </a:lnRef>
-              <a:fillRef idx="1">
-                <a:schemeClr val="accent1"/>
-              </a:fillRef>
-              <a:effectRef idx="0">
-                <a:schemeClr val="accent1"/>
-              </a:effectRef>
-              <a:fontRef idx="minor">
-                <a:schemeClr val="lt1"/>
-              </a:fontRef>
-            </p:style>
-            <p:txBody>
-              <a:bodyPr rtlCol="0" anchor="ctr"/>
-              <a:lstStyle/>
-              <a:p>
-                <a:pPr algn="ctr"/>
-                <a:r>
-                  <a:rPr lang="en-US" sz="1500" dirty="0">
-                    <a:solidFill>
-                      <a:schemeClr val="tx1"/>
-                    </a:solidFill>
-                  </a:rPr>
-                  <a:t>Songs </a:t>
-                </a:r>
-                <a:r>
-                  <a:rPr lang="en-US" sz="1500">
-                    <a:solidFill>
-                      <a:schemeClr val="tx1"/>
-                    </a:solidFill>
-                  </a:rPr>
-                  <a:t>before </a:t>
-                </a:r>
-                <a:r>
-                  <a:rPr lang="en-US" sz="1500" smtClean="0">
-                    <a:solidFill>
-                      <a:schemeClr val="tx1"/>
-                    </a:solidFill>
-                  </a:rPr>
-                  <a:t>1980</a:t>
-                </a:r>
-                <a:endParaRPr lang="en-US" sz="1500" dirty="0">
-                  <a:solidFill>
-                    <a:schemeClr val="tx1"/>
-                  </a:solidFill>
-                </a:endParaRPr>
-              </a:p>
-            </p:txBody>
-          </p:sp>
-          <p:cxnSp>
-            <p:nvCxnSpPr>
-              <p:cNvPr id="200" name="Straight Arrow Connector 15"/>
-              <p:cNvCxnSpPr>
-                <a:stCxn id="198" idx="2"/>
-                <a:endCxn id="199" idx="0"/>
-              </p:cNvCxnSpPr>
-              <p:nvPr/>
-            </p:nvCxnSpPr>
-            <p:spPr>
-              <a:xfrm rot="5400000">
-                <a:off x="4114800" y="1752600"/>
-                <a:ext cx="1066800" cy="1588"/>
-              </a:xfrm>
-              <a:prstGeom prst="straightConnector1">
-                <a:avLst/>
-              </a:prstGeom>
-              <a:ln w="19050">
-                <a:solidFill>
-                  <a:schemeClr val="tx1"/>
-                </a:solidFill>
-                <a:tailEnd type="arrow"/>
-              </a:ln>
-            </p:spPr>
-            <p:style>
-              <a:lnRef idx="1">
-                <a:schemeClr val="accent1"/>
-              </a:lnRef>
-              <a:fillRef idx="0">
-                <a:schemeClr val="accent1"/>
-              </a:fillRef>
-              <a:effectRef idx="0">
-                <a:schemeClr val="accent1"/>
-              </a:effectRef>
-              <a:fontRef idx="minor">
-                <a:schemeClr val="tx1"/>
-              </a:fontRef>
-            </p:style>
-          </p:cxnSp>
-          <p:sp>
-            <p:nvSpPr>
-              <p:cNvPr id="201" name="Rectangle 17"/>
-              <p:cNvSpPr/>
-              <p:nvPr/>
-            </p:nvSpPr>
-            <p:spPr>
-              <a:xfrm>
-                <a:off x="1524000" y="4343400"/>
-                <a:ext cx="1676400" cy="990600"/>
-              </a:xfrm>
-              <a:prstGeom prst="rect">
-                <a:avLst/>
-              </a:prstGeom>
-            </p:spPr>
-            <p:style>
-              <a:lnRef idx="2">
-                <a:schemeClr val="accent1">
-                  <a:shade val="50000"/>
-                </a:schemeClr>
-              </a:lnRef>
-              <a:fillRef idx="1">
-                <a:schemeClr val="accent1"/>
-              </a:fillRef>
-              <a:effectRef idx="0">
-                <a:schemeClr val="accent1"/>
-              </a:effectRef>
-              <a:fontRef idx="minor">
-                <a:schemeClr val="lt1"/>
-              </a:fontRef>
-            </p:style>
-            <p:txBody>
-              <a:bodyPr rtlCol="0" anchor="ctr"/>
-              <a:lstStyle/>
-              <a:p>
-                <a:pPr algn="ctr"/>
-                <a:r>
-                  <a:rPr lang="en-US" sz="1500" dirty="0">
-                    <a:solidFill>
-                      <a:schemeClr val="tx1"/>
-                    </a:solidFill>
-                  </a:rPr>
-                  <a:t>Learning Algorithm 1</a:t>
-                </a:r>
-              </a:p>
-            </p:txBody>
-          </p:sp>
-          <p:cxnSp>
-            <p:nvCxnSpPr>
-              <p:cNvPr id="202" name="Shape 19"/>
-              <p:cNvCxnSpPr>
-                <a:stCxn id="199" idx="1"/>
-                <a:endCxn id="201" idx="0"/>
-              </p:cNvCxnSpPr>
-              <p:nvPr/>
-            </p:nvCxnSpPr>
-            <p:spPr>
-              <a:xfrm rot="10800000" flipV="1">
-                <a:off x="2362200" y="3009900"/>
-                <a:ext cx="1371600" cy="1333500"/>
-              </a:xfrm>
-              <a:prstGeom prst="bentConnector2">
-                <a:avLst/>
-              </a:prstGeom>
-              <a:ln w="28575">
-                <a:solidFill>
-                  <a:schemeClr val="tx1"/>
-                </a:solidFill>
-                <a:tailEnd type="arrow"/>
-              </a:ln>
-            </p:spPr>
-            <p:style>
-              <a:lnRef idx="1">
-                <a:schemeClr val="accent1"/>
-              </a:lnRef>
-              <a:fillRef idx="0">
-                <a:schemeClr val="accent1"/>
-              </a:fillRef>
-              <a:effectRef idx="0">
-                <a:schemeClr val="accent1"/>
-              </a:effectRef>
-              <a:fontRef idx="minor">
-                <a:schemeClr val="tx1"/>
-              </a:fontRef>
-            </p:style>
-          </p:cxnSp>
-          <p:sp>
-            <p:nvSpPr>
-              <p:cNvPr id="203" name="Rectangle 20"/>
-              <p:cNvSpPr/>
-              <p:nvPr/>
-            </p:nvSpPr>
-            <p:spPr>
-              <a:xfrm>
-                <a:off x="6096000" y="4343400"/>
-                <a:ext cx="1676400" cy="990600"/>
-              </a:xfrm>
-              <a:prstGeom prst="rect">
-                <a:avLst/>
-              </a:prstGeom>
-            </p:spPr>
-            <p:style>
-              <a:lnRef idx="2">
-                <a:schemeClr val="accent1">
-                  <a:shade val="50000"/>
-                </a:schemeClr>
-              </a:lnRef>
-              <a:fillRef idx="1">
-                <a:schemeClr val="accent1"/>
-              </a:fillRef>
-              <a:effectRef idx="0">
-                <a:schemeClr val="accent1"/>
-              </a:effectRef>
-              <a:fontRef idx="minor">
-                <a:schemeClr val="lt1"/>
-              </a:fontRef>
-            </p:style>
-            <p:txBody>
-              <a:bodyPr rtlCol="0" anchor="ctr"/>
-              <a:lstStyle/>
-              <a:p>
-                <a:pPr algn="ctr"/>
-                <a:r>
-                  <a:rPr lang="en-US" sz="1500" dirty="0">
-                    <a:solidFill>
-                      <a:schemeClr val="tx1"/>
-                    </a:solidFill>
-                  </a:rPr>
-                  <a:t>Learning Algorithm 2</a:t>
-                </a:r>
-              </a:p>
-            </p:txBody>
-          </p:sp>
-          <p:cxnSp>
-            <p:nvCxnSpPr>
-              <p:cNvPr id="204" name="Shape 24"/>
-              <p:cNvCxnSpPr>
-                <a:stCxn id="199" idx="3"/>
-                <a:endCxn id="203" idx="0"/>
-              </p:cNvCxnSpPr>
-              <p:nvPr/>
-            </p:nvCxnSpPr>
-            <p:spPr>
-              <a:xfrm>
-                <a:off x="5562600" y="3009900"/>
-                <a:ext cx="1371600" cy="1333500"/>
-              </a:xfrm>
-              <a:prstGeom prst="bentConnector2">
-                <a:avLst/>
-              </a:prstGeom>
-              <a:ln w="28575">
-                <a:solidFill>
-                  <a:schemeClr val="tx1"/>
-                </a:solidFill>
-                <a:tailEnd type="arrow"/>
-              </a:ln>
-            </p:spPr>
-            <p:style>
-              <a:lnRef idx="1">
-                <a:schemeClr val="accent1"/>
-              </a:lnRef>
-              <a:fillRef idx="0">
-                <a:schemeClr val="accent1"/>
-              </a:fillRef>
-              <a:effectRef idx="0">
-                <a:schemeClr val="accent1"/>
-              </a:effectRef>
-              <a:fontRef idx="minor">
-                <a:schemeClr val="tx1"/>
-              </a:fontRef>
-            </p:style>
-          </p:cxnSp>
-          <p:sp>
-            <p:nvSpPr>
-              <p:cNvPr id="205" name="TextBox 27"/>
-              <p:cNvSpPr txBox="1"/>
-              <p:nvPr/>
-            </p:nvSpPr>
-            <p:spPr>
-              <a:xfrm>
-                <a:off x="2590800" y="2463284"/>
-                <a:ext cx="685800" cy="613028"/>
-              </a:xfrm>
-              <a:prstGeom prst="rect">
-                <a:avLst/>
-              </a:prstGeom>
-              <a:noFill/>
-            </p:spPr>
-            <p:txBody>
-              <a:bodyPr wrap="square" rtlCol="0">
-                <a:spAutoFit/>
-              </a:bodyPr>
-              <a:lstStyle/>
-              <a:p>
-                <a:r>
-                  <a:rPr lang="en-US" sz="1500" dirty="0"/>
-                  <a:t>Yes</a:t>
-                </a:r>
-              </a:p>
-            </p:txBody>
-          </p:sp>
-          <p:sp>
-            <p:nvSpPr>
-              <p:cNvPr id="206" name="TextBox 28"/>
-              <p:cNvSpPr txBox="1"/>
-              <p:nvPr/>
-            </p:nvSpPr>
-            <p:spPr>
-              <a:xfrm>
-                <a:off x="5905500" y="2030514"/>
-                <a:ext cx="685800" cy="613028"/>
-              </a:xfrm>
-              <a:prstGeom prst="rect">
-                <a:avLst/>
-              </a:prstGeom>
-              <a:noFill/>
-            </p:spPr>
-            <p:txBody>
-              <a:bodyPr wrap="square" rtlCol="0">
-                <a:spAutoFit/>
-              </a:bodyPr>
-              <a:lstStyle/>
-              <a:p>
-                <a:r>
-                  <a:rPr lang="en-US" sz="1500" dirty="0"/>
-                  <a:t>   No</a:t>
-                </a:r>
-              </a:p>
-            </p:txBody>
-          </p:sp>
-        </p:grpSp>
-        <p:sp>
-          <p:nvSpPr>
-            <p:cNvPr id="188" name="椭圆 187"/>
-            <p:cNvSpPr/>
-            <p:nvPr/>
-          </p:nvSpPr>
-          <p:spPr>
-            <a:xfrm>
-              <a:off x="1443789" y="4860758"/>
-              <a:ext cx="1179095" cy="709863"/>
-            </a:xfrm>
-            <a:prstGeom prst="ellipse">
-              <a:avLst/>
-            </a:prstGeom>
-          </p:spPr>
-          <p:style>
-            <a:lnRef idx="2">
-              <a:schemeClr val="accent1">
-                <a:shade val="50000"/>
-              </a:schemeClr>
-            </a:lnRef>
-            <a:fillRef idx="1">
-              <a:schemeClr val="accent1"/>
-            </a:fillRef>
-            <a:effectRef idx="0">
-              <a:schemeClr val="accent1"/>
-            </a:effectRef>
-            <a:fontRef idx="minor">
-              <a:schemeClr val="lt1"/>
-            </a:fontRef>
-          </p:style>
-          <p:txBody>
-            <a:bodyPr rtlCol="0" anchor="ctr"/>
-            <a:lstStyle/>
-            <a:p>
-              <a:pPr algn="ctr"/>
-              <a:r>
-                <a:rPr lang="en-US" sz="1500" dirty="0">
-                  <a:solidFill>
-                    <a:schemeClr val="tx1"/>
-                  </a:solidFill>
-                </a:rPr>
-                <a:t>1920</a:t>
-              </a:r>
-            </a:p>
-          </p:txBody>
-        </p:sp>
-        <p:sp>
-          <p:nvSpPr>
-            <p:cNvPr id="189" name="椭圆 188"/>
-            <p:cNvSpPr/>
-            <p:nvPr/>
-          </p:nvSpPr>
-          <p:spPr>
-            <a:xfrm>
-              <a:off x="3878179" y="4838700"/>
-              <a:ext cx="1179095" cy="709863"/>
-            </a:xfrm>
-            <a:prstGeom prst="ellipse">
-              <a:avLst/>
-            </a:prstGeom>
-          </p:spPr>
-          <p:style>
-            <a:lnRef idx="2">
-              <a:schemeClr val="accent1">
-                <a:shade val="50000"/>
-              </a:schemeClr>
-            </a:lnRef>
-            <a:fillRef idx="1">
-              <a:schemeClr val="accent1"/>
-            </a:fillRef>
-            <a:effectRef idx="0">
-              <a:schemeClr val="accent1"/>
-            </a:effectRef>
-            <a:fontRef idx="minor">
-              <a:schemeClr val="lt1"/>
-            </a:fontRef>
-          </p:style>
-          <p:txBody>
-            <a:bodyPr rtlCol="0" anchor="ctr"/>
-            <a:lstStyle/>
-            <a:p>
-              <a:pPr algn="ctr"/>
-              <a:r>
-                <a:rPr lang="en-US" sz="1500" dirty="0">
-                  <a:solidFill>
-                    <a:schemeClr val="tx1"/>
-                  </a:solidFill>
-                </a:rPr>
-                <a:t>1980</a:t>
-              </a:r>
-            </a:p>
-          </p:txBody>
-        </p:sp>
-        <p:sp>
-          <p:nvSpPr>
-            <p:cNvPr id="190" name="椭圆 189"/>
-            <p:cNvSpPr/>
-            <p:nvPr/>
-          </p:nvSpPr>
-          <p:spPr>
-            <a:xfrm>
-              <a:off x="8446168" y="4860758"/>
-              <a:ext cx="1179095" cy="709863"/>
-            </a:xfrm>
-            <a:prstGeom prst="ellipse">
-              <a:avLst/>
-            </a:prstGeom>
-          </p:spPr>
-          <p:style>
-            <a:lnRef idx="2">
-              <a:schemeClr val="accent1">
-                <a:shade val="50000"/>
-              </a:schemeClr>
-            </a:lnRef>
-            <a:fillRef idx="1">
-              <a:schemeClr val="accent1"/>
-            </a:fillRef>
-            <a:effectRef idx="0">
-              <a:schemeClr val="accent1"/>
-            </a:effectRef>
-            <a:fontRef idx="minor">
-              <a:schemeClr val="lt1"/>
-            </a:fontRef>
-          </p:style>
-          <p:txBody>
-            <a:bodyPr rtlCol="0" anchor="ctr"/>
-            <a:lstStyle/>
-            <a:p>
-              <a:pPr algn="ctr"/>
-              <a:r>
-                <a:rPr lang="en-US" sz="1500" dirty="0">
-                  <a:solidFill>
-                    <a:schemeClr val="tx1"/>
-                  </a:solidFill>
-                </a:rPr>
-                <a:t>2010</a:t>
-              </a:r>
-            </a:p>
-          </p:txBody>
-        </p:sp>
-        <p:sp>
-          <p:nvSpPr>
-            <p:cNvPr id="191" name="椭圆 190"/>
-            <p:cNvSpPr/>
-            <p:nvPr/>
-          </p:nvSpPr>
-          <p:spPr>
-            <a:xfrm>
-              <a:off x="5957662" y="4854179"/>
-              <a:ext cx="1179095" cy="709863"/>
-            </a:xfrm>
-            <a:prstGeom prst="ellipse">
-              <a:avLst/>
-            </a:prstGeom>
-          </p:spPr>
-          <p:style>
-            <a:lnRef idx="2">
-              <a:schemeClr val="accent1">
-                <a:shade val="50000"/>
-              </a:schemeClr>
-            </a:lnRef>
-            <a:fillRef idx="1">
-              <a:schemeClr val="accent1"/>
-            </a:fillRef>
-            <a:effectRef idx="0">
-              <a:schemeClr val="accent1"/>
-            </a:effectRef>
-            <a:fontRef idx="minor">
-              <a:schemeClr val="lt1"/>
-            </a:fontRef>
-          </p:style>
-          <p:txBody>
-            <a:bodyPr rtlCol="0" anchor="ctr"/>
-            <a:lstStyle/>
-            <a:p>
-              <a:pPr algn="ctr"/>
-              <a:r>
-                <a:rPr lang="en-US" sz="1500" dirty="0">
-                  <a:solidFill>
-                    <a:schemeClr val="tx1"/>
-                  </a:solidFill>
-                </a:rPr>
-                <a:t>1981</a:t>
-              </a:r>
-            </a:p>
-          </p:txBody>
-        </p:sp>
-        <p:cxnSp>
-          <p:nvCxnSpPr>
-            <p:cNvPr id="192" name="直接箭头连接符 191"/>
-            <p:cNvCxnSpPr>
-              <a:stCxn id="201" idx="2"/>
-              <a:endCxn id="188" idx="0"/>
-            </p:cNvCxnSpPr>
-            <p:nvPr/>
-          </p:nvCxnSpPr>
-          <p:spPr>
-            <a:xfrm flipH="1">
-              <a:off x="2033337" y="3970421"/>
-              <a:ext cx="1159042" cy="890337"/>
-            </a:xfrm>
-            <a:prstGeom prst="straightConnector1">
-              <a:avLst/>
-            </a:prstGeom>
-            <a:ln w="28575">
-              <a:solidFill>
-                <a:schemeClr val="tx1"/>
-              </a:solidFill>
-              <a:tailEnd type="triangle"/>
-            </a:ln>
-          </p:spPr>
-          <p:style>
-            <a:lnRef idx="1">
-              <a:schemeClr val="accent1"/>
-            </a:lnRef>
-            <a:fillRef idx="0">
-              <a:schemeClr val="accent1"/>
-            </a:fillRef>
-            <a:effectRef idx="0">
-              <a:schemeClr val="accent1"/>
-            </a:effectRef>
-            <a:fontRef idx="minor">
-              <a:schemeClr val="tx1"/>
-            </a:fontRef>
-          </p:style>
-        </p:cxnSp>
-        <p:cxnSp>
-          <p:nvCxnSpPr>
-            <p:cNvPr id="193" name="直接箭头连接符 192"/>
-            <p:cNvCxnSpPr>
-              <a:endCxn id="190" idx="0"/>
-            </p:cNvCxnSpPr>
-            <p:nvPr/>
-          </p:nvCxnSpPr>
-          <p:spPr>
-            <a:xfrm>
-              <a:off x="7740315" y="3957872"/>
-              <a:ext cx="1295401" cy="902886"/>
-            </a:xfrm>
-            <a:prstGeom prst="straightConnector1">
-              <a:avLst/>
-            </a:prstGeom>
-            <a:ln w="28575">
-              <a:solidFill>
-                <a:schemeClr val="tx1"/>
-              </a:solidFill>
-              <a:tailEnd type="triangle"/>
-            </a:ln>
-          </p:spPr>
-          <p:style>
-            <a:lnRef idx="1">
-              <a:schemeClr val="accent1"/>
-            </a:lnRef>
-            <a:fillRef idx="0">
-              <a:schemeClr val="accent1"/>
-            </a:fillRef>
-            <a:effectRef idx="0">
-              <a:schemeClr val="accent1"/>
-            </a:effectRef>
-            <a:fontRef idx="minor">
-              <a:schemeClr val="tx1"/>
-            </a:fontRef>
-          </p:style>
-        </p:cxnSp>
-        <p:cxnSp>
-          <p:nvCxnSpPr>
-            <p:cNvPr id="194" name="直接箭头连接符 193"/>
-            <p:cNvCxnSpPr>
-              <a:stCxn id="201" idx="2"/>
-              <a:endCxn id="189" idx="0"/>
-            </p:cNvCxnSpPr>
-            <p:nvPr/>
-          </p:nvCxnSpPr>
-          <p:spPr>
-            <a:xfrm>
-              <a:off x="3192379" y="3970421"/>
-              <a:ext cx="1275348" cy="868279"/>
-            </a:xfrm>
-            <a:prstGeom prst="straightConnector1">
-              <a:avLst/>
-            </a:prstGeom>
-            <a:ln w="28575">
-              <a:solidFill>
-                <a:schemeClr val="tx1"/>
-              </a:solidFill>
-              <a:tailEnd type="triangle"/>
-            </a:ln>
-          </p:spPr>
-          <p:style>
-            <a:lnRef idx="1">
-              <a:schemeClr val="accent1"/>
-            </a:lnRef>
-            <a:fillRef idx="0">
-              <a:schemeClr val="accent1"/>
-            </a:fillRef>
-            <a:effectRef idx="0">
-              <a:schemeClr val="accent1"/>
-            </a:effectRef>
-            <a:fontRef idx="minor">
-              <a:schemeClr val="tx1"/>
-            </a:fontRef>
-          </p:style>
-        </p:cxnSp>
-        <p:cxnSp>
-          <p:nvCxnSpPr>
-            <p:cNvPr id="195" name="直接箭头连接符 194"/>
-            <p:cNvCxnSpPr>
-              <a:stCxn id="203" idx="2"/>
-              <a:endCxn id="191" idx="0"/>
-            </p:cNvCxnSpPr>
-            <p:nvPr/>
-          </p:nvCxnSpPr>
-          <p:spPr>
-            <a:xfrm flipH="1">
-              <a:off x="6547209" y="3970421"/>
-              <a:ext cx="1217170" cy="883758"/>
-            </a:xfrm>
-            <a:prstGeom prst="straightConnector1">
-              <a:avLst/>
-            </a:prstGeom>
-            <a:ln w="28575">
-              <a:solidFill>
-                <a:schemeClr val="tx1"/>
-              </a:solidFill>
-              <a:tailEnd type="triangle"/>
-            </a:ln>
-          </p:spPr>
-          <p:style>
-            <a:lnRef idx="1">
-              <a:schemeClr val="accent1"/>
-            </a:lnRef>
-            <a:fillRef idx="0">
-              <a:schemeClr val="accent1"/>
-            </a:fillRef>
-            <a:effectRef idx="0">
-              <a:schemeClr val="accent1"/>
-            </a:effectRef>
-            <a:fontRef idx="minor">
-              <a:schemeClr val="tx1"/>
-            </a:fontRef>
-          </p:style>
-        </p:cxnSp>
-        <p:sp>
-          <p:nvSpPr>
-            <p:cNvPr id="196" name="文本框 195"/>
-            <p:cNvSpPr txBox="1"/>
-            <p:nvPr/>
-          </p:nvSpPr>
-          <p:spPr>
-            <a:xfrm>
-              <a:off x="2603968" y="4996935"/>
-              <a:ext cx="1106906" cy="397762"/>
-            </a:xfrm>
-            <a:prstGeom prst="rect">
-              <a:avLst/>
-            </a:prstGeom>
-            <a:noFill/>
-            <a:ln>
-              <a:noFill/>
-            </a:ln>
-          </p:spPr>
-          <p:txBody>
-            <a:bodyPr wrap="square" rtlCol="0">
-              <a:spAutoFit/>
-            </a:bodyPr>
-            <a:lstStyle/>
-            <a:p>
-              <a:r>
-                <a:rPr lang="en-US" altLang="zh-CN" sz="1500" dirty="0"/>
-                <a:t>…………</a:t>
-              </a:r>
-              <a:endParaRPr lang="en-US" sz="1500" dirty="0"/>
-            </a:p>
-          </p:txBody>
-        </p:sp>
-        <p:sp>
-          <p:nvSpPr>
-            <p:cNvPr id="197" name="文本框 196"/>
-            <p:cNvSpPr txBox="1"/>
-            <p:nvPr/>
-          </p:nvSpPr>
-          <p:spPr>
-            <a:xfrm>
-              <a:off x="7299920" y="4964846"/>
-              <a:ext cx="1106906" cy="397762"/>
-            </a:xfrm>
-            <a:prstGeom prst="rect">
-              <a:avLst/>
-            </a:prstGeom>
-            <a:noFill/>
-            <a:ln>
-              <a:noFill/>
-            </a:ln>
-          </p:spPr>
-          <p:txBody>
-            <a:bodyPr wrap="square" rtlCol="0">
-              <a:spAutoFit/>
-            </a:bodyPr>
-            <a:lstStyle/>
-            <a:p>
-              <a:r>
-                <a:rPr lang="en-US" altLang="zh-CN" sz="1500" dirty="0"/>
-                <a:t>…………</a:t>
-              </a:r>
-              <a:endParaRPr lang="en-US" sz="1500" dirty="0"/>
-            </a:p>
-          </p:txBody>
-        </p:sp>
-      </p:grpSp>
-      <p:graphicFrame>
-        <p:nvGraphicFramePr>
-          <p:cNvPr id="208" name="图表 207"/>
-          <p:cNvGraphicFramePr>
-            <a:graphicFrameLocks/>
-          </p:cNvGraphicFramePr>
-          <p:nvPr>
-            <p:extLst>
-              <p:ext uri="{D42A27DB-BD31-4B8C-83A1-F6EECF244321}">
-                <p14:modId xmlns:p14="http://schemas.microsoft.com/office/powerpoint/2010/main" val="2769094394"/>
-              </p:ext>
-            </p:extLst>
-          </p:nvPr>
-        </p:nvGraphicFramePr>
-        <p:xfrm>
-          <a:off x="32255931" y="9276536"/>
-          <a:ext cx="8315325" cy="5929032"/>
-        </p:xfrm>
-        <a:graphic>
-          <a:graphicData uri="http://schemas.openxmlformats.org/drawingml/2006/chart">
-            <c:chart xmlns:c="http://schemas.openxmlformats.org/drawingml/2006/chart" xmlns:r="http://schemas.openxmlformats.org/officeDocument/2006/relationships" r:id="rId3"/>
-          </a:graphicData>
-        </a:graphic>
-      </p:graphicFrame>
-      <p:sp>
-        <p:nvSpPr>
-          <p:cNvPr id="209" name="Text Box 39"/>
-          <p:cNvSpPr txBox="1">
-            <a:spLocks noChangeArrowheads="1"/>
-          </p:cNvSpPr>
-          <p:nvPr/>
-        </p:nvSpPr>
-        <p:spPr bwMode="auto">
-          <a:xfrm>
-            <a:off x="31898845" y="17871876"/>
-            <a:ext cx="8545513" cy="2561269"/>
-          </a:xfrm>
-          <a:prstGeom prst="rect">
-            <a:avLst/>
-          </a:prstGeom>
-          <a:noFill/>
-          <a:ln w="57150" cmpd="thinThick">
-            <a:noFill/>
-            <a:miter lim="800000"/>
-            <a:headEnd/>
-            <a:tailEnd/>
-          </a:ln>
-          <a:effectLst/>
-        </p:spPr>
-        <p:txBody>
-          <a:bodyPr lIns="53524" tIns="26761" rIns="53524" bIns="26761">
-            <a:spAutoFit/>
-          </a:bodyPr>
-          <a:lstStyle/>
-          <a:p>
-            <a:pPr marL="342913" indent="-342913" algn="l" defTabSz="536198" eaLnBrk="0" hangingPunct="0">
-              <a:lnSpc>
-                <a:spcPct val="95000"/>
-              </a:lnSpc>
-              <a:buFont typeface="Wingdings" panose="05000000000000000000" pitchFamily="2" charset="2"/>
-              <a:buChar char="Ø"/>
-            </a:pPr>
-            <a:r>
-              <a:rPr lang="en-US" sz="2450" b="1" dirty="0">
-                <a:latin typeface="Times New Roman" pitchFamily="18" charset="0"/>
-              </a:rPr>
-              <a:t>Divide-and-conquer:</a:t>
-            </a:r>
-          </a:p>
-          <a:p>
-            <a:pPr marL="800130" lvl="1" indent="-342913" algn="l" defTabSz="536198" eaLnBrk="0" hangingPunct="0">
-              <a:lnSpc>
-                <a:spcPct val="95000"/>
-              </a:lnSpc>
-              <a:buFont typeface="Arial" panose="020B0604020202020204" pitchFamily="34" charset="0"/>
-              <a:buChar char="•"/>
-            </a:pPr>
-            <a:r>
-              <a:rPr lang="en-US" sz="2450" dirty="0">
-                <a:latin typeface="Times New Roman" pitchFamily="18" charset="0"/>
-              </a:rPr>
-              <a:t>First, separate the songs into two groups</a:t>
-            </a:r>
-          </a:p>
-          <a:p>
-            <a:pPr marL="800130" lvl="1" indent="-342913" algn="l" defTabSz="536198" eaLnBrk="0" hangingPunct="0">
-              <a:lnSpc>
-                <a:spcPct val="95000"/>
-              </a:lnSpc>
-              <a:buFont typeface="Arial" panose="020B0604020202020204" pitchFamily="34" charset="0"/>
-              <a:buChar char="•"/>
-            </a:pPr>
-            <a:r>
-              <a:rPr lang="en-US" sz="2450" dirty="0">
-                <a:latin typeface="Times New Roman" pitchFamily="18" charset="0"/>
-              </a:rPr>
-              <a:t>Train the subgroups respectively with the best algorithm tested on the validation set</a:t>
-            </a:r>
-          </a:p>
-          <a:p>
-            <a:pPr marL="800130" lvl="1" indent="-342913" algn="l" defTabSz="536198" eaLnBrk="0" hangingPunct="0">
-              <a:lnSpc>
-                <a:spcPct val="95000"/>
-              </a:lnSpc>
-              <a:buFont typeface="Arial" panose="020B0604020202020204" pitchFamily="34" charset="0"/>
-              <a:buChar char="•"/>
-            </a:pPr>
-            <a:r>
-              <a:rPr lang="en-US" sz="2450" dirty="0">
-                <a:latin typeface="Times New Roman" pitchFamily="18" charset="0"/>
-              </a:rPr>
-              <a:t>Use this learned model to predict years on the test set</a:t>
-            </a:r>
-          </a:p>
-          <a:p>
-            <a:pPr marL="800130" lvl="1" indent="-342913" algn="l" defTabSz="536198" eaLnBrk="0" hangingPunct="0">
-              <a:lnSpc>
-                <a:spcPct val="95000"/>
-              </a:lnSpc>
-              <a:buFont typeface="Arial" panose="020B0604020202020204" pitchFamily="34" charset="0"/>
-              <a:buChar char="•"/>
-            </a:pPr>
-            <a:r>
-              <a:rPr lang="en-US" sz="2450" dirty="0">
-                <a:latin typeface="Times New Roman" pitchFamily="18" charset="0"/>
-              </a:rPr>
-              <a:t>The average absolute difference is </a:t>
-            </a:r>
-            <a:r>
-              <a:rPr lang="en-US" sz="2450" dirty="0" smtClean="0">
-                <a:latin typeface="Times New Roman" pitchFamily="18" charset="0"/>
-              </a:rPr>
-              <a:t>less </a:t>
-            </a:r>
-            <a:r>
-              <a:rPr lang="en-US" sz="2450" dirty="0">
-                <a:latin typeface="Times New Roman" pitchFamily="18" charset="0"/>
-              </a:rPr>
-              <a:t>than that of ridge </a:t>
-            </a:r>
-            <a:r>
-              <a:rPr lang="en-US" sz="2450" dirty="0" smtClean="0">
-                <a:latin typeface="Times New Roman" pitchFamily="18" charset="0"/>
-              </a:rPr>
-              <a:t>regression </a:t>
-            </a:r>
-            <a:r>
-              <a:rPr lang="en-US" sz="2450" dirty="0">
-                <a:latin typeface="Times New Roman" pitchFamily="18" charset="0"/>
-              </a:rPr>
-              <a:t>trained on the entire set  </a:t>
-            </a:r>
-          </a:p>
-        </p:txBody>
-      </p:sp>
       <p:sp>
         <p:nvSpPr>
           <p:cNvPr id="210" name="Text Box 39"/>
@@ -4665,7 +2465,7 @@
         </p:nvSpPr>
         <p:spPr bwMode="auto">
           <a:xfrm>
-            <a:off x="31892444" y="25640565"/>
+            <a:off x="31649251" y="24019301"/>
             <a:ext cx="8903621" cy="3277619"/>
           </a:xfrm>
           <a:prstGeom prst="rect">
@@ -4686,12 +2486,12 @@
           </a:bodyPr>
           <a:lstStyle/>
           <a:p>
-            <a:pPr marL="800130" lvl="1" indent="-342913" algn="l" defTabSz="536198" eaLnBrk="0" hangingPunct="0">
+            <a:pPr marL="800117" lvl="1" indent="-342900" algn="l" defTabSz="536198" eaLnBrk="0" hangingPunct="0">
               <a:lnSpc>
                 <a:spcPct val="95000"/>
               </a:lnSpc>
-              <a:buFont typeface="Wingdings" panose="05000000000000000000" pitchFamily="2" charset="2"/>
-              <a:buChar char="ü"/>
+              <a:buFont typeface="Arial"/>
+              <a:buChar char="•"/>
             </a:pPr>
             <a:r>
               <a:rPr lang="en-US" sz="2450" dirty="0">
@@ -4701,12 +2501,12 @@
             </a:r>
           </a:p>
           <a:p>
-            <a:pPr marL="800130" lvl="1" indent="-342913" algn="l" defTabSz="536198" eaLnBrk="0" hangingPunct="0">
+            <a:pPr marL="800117" lvl="1" indent="-342900" algn="l" defTabSz="536198" eaLnBrk="0" hangingPunct="0">
               <a:lnSpc>
                 <a:spcPct val="95000"/>
               </a:lnSpc>
-              <a:buFont typeface="Wingdings" panose="05000000000000000000" pitchFamily="2" charset="2"/>
-              <a:buChar char="ü"/>
+              <a:buFont typeface="Arial"/>
+              <a:buChar char="•"/>
             </a:pPr>
             <a:r>
               <a:rPr lang="en-US" sz="2450" dirty="0">
@@ -4716,12 +2516,12 @@
             </a:r>
           </a:p>
           <a:p>
-            <a:pPr marL="800130" lvl="1" indent="-342913" algn="l" defTabSz="536198" eaLnBrk="0" hangingPunct="0">
+            <a:pPr marL="800117" lvl="1" indent="-342900" algn="l" defTabSz="536198" eaLnBrk="0" hangingPunct="0">
               <a:lnSpc>
                 <a:spcPct val="95000"/>
               </a:lnSpc>
-              <a:buFont typeface="Wingdings" panose="05000000000000000000" pitchFamily="2" charset="2"/>
-              <a:buChar char="ü"/>
+              <a:buFont typeface="Arial"/>
+              <a:buChar char="•"/>
             </a:pPr>
             <a:r>
               <a:rPr lang="en-US" sz="2450" dirty="0">
@@ -4774,199 +2574,6 @@
           </a:p>
         </p:txBody>
       </p:sp>
-      <p:graphicFrame>
-        <p:nvGraphicFramePr>
-          <p:cNvPr id="2055" name="表格 2054"/>
-          <p:cNvGraphicFramePr>
-            <a:graphicFrameLocks noGrp="1"/>
-          </p:cNvGraphicFramePr>
-          <p:nvPr>
-            <p:extLst>
-              <p:ext uri="{D42A27DB-BD31-4B8C-83A1-F6EECF244321}">
-                <p14:modId xmlns:p14="http://schemas.microsoft.com/office/powerpoint/2010/main" val="2751640738"/>
-              </p:ext>
-            </p:extLst>
-          </p:nvPr>
-        </p:nvGraphicFramePr>
-        <p:xfrm>
-          <a:off x="33595691" y="16000520"/>
-          <a:ext cx="5803896" cy="1454280"/>
-        </p:xfrm>
-        <a:graphic>
-          <a:graphicData uri="http://schemas.openxmlformats.org/drawingml/2006/table">
-            <a:tbl>
-              <a:tblPr firstRow="1" bandRow="1">
-                <a:tableStyleId>{6E25E649-3F16-4E02-A733-19D2CDBF48F0}</a:tableStyleId>
-              </a:tblPr>
-              <a:tblGrid>
-                <a:gridCol w="1934632"/>
-                <a:gridCol w="1934632"/>
-                <a:gridCol w="1934632"/>
-              </a:tblGrid>
-              <a:tr h="437580">
-                <a:tc>
-                  <a:txBody>
-                    <a:bodyPr/>
-                    <a:lstStyle/>
-                    <a:p>
-                      <a:endParaRPr lang="en-US" sz="1600" dirty="0">
-                        <a:solidFill>
-                          <a:schemeClr val="tx1"/>
-                        </a:solidFill>
-                      </a:endParaRPr>
-                    </a:p>
-                  </a:txBody>
-                  <a:tcPr/>
-                </a:tc>
-                <a:tc>
-                  <a:txBody>
-                    <a:bodyPr/>
-                    <a:lstStyle/>
-                    <a:p>
-                      <a:r>
-                        <a:rPr lang="en-US" sz="1600" dirty="0" smtClean="0">
-                          <a:solidFill>
-                            <a:schemeClr val="tx1"/>
-                          </a:solidFill>
-                        </a:rPr>
-                        <a:t>Avg. absolute diff</a:t>
-                      </a:r>
-                      <a:endParaRPr lang="en-US" sz="1600" dirty="0">
-                        <a:solidFill>
-                          <a:schemeClr val="tx1"/>
-                        </a:solidFill>
-                      </a:endParaRPr>
-                    </a:p>
-                  </a:txBody>
-                  <a:tcPr/>
-                </a:tc>
-                <a:tc>
-                  <a:txBody>
-                    <a:bodyPr/>
-                    <a:lstStyle/>
-                    <a:p>
-                      <a:r>
-                        <a:rPr lang="en-US" sz="1600" dirty="0" smtClean="0">
-                          <a:solidFill>
-                            <a:schemeClr val="tx1"/>
-                          </a:solidFill>
-                        </a:rPr>
-                        <a:t>Avg. squared</a:t>
-                      </a:r>
-                      <a:r>
-                        <a:rPr lang="en-US" sz="1600" baseline="0" dirty="0" smtClean="0">
-                          <a:solidFill>
-                            <a:schemeClr val="tx1"/>
-                          </a:solidFill>
-                        </a:rPr>
-                        <a:t> diff</a:t>
-                      </a:r>
-                      <a:endParaRPr lang="en-US" sz="1600" dirty="0">
-                        <a:solidFill>
-                          <a:schemeClr val="tx1"/>
-                        </a:solidFill>
-                      </a:endParaRPr>
-                    </a:p>
-                  </a:txBody>
-                  <a:tcPr/>
-                </a:tc>
-              </a:tr>
-              <a:tr h="437580">
-                <a:tc>
-                  <a:txBody>
-                    <a:bodyPr/>
-                    <a:lstStyle/>
-                    <a:p>
-                      <a:r>
-                        <a:rPr lang="en-US" sz="1600" dirty="0" smtClean="0"/>
-                        <a:t>Ridge</a:t>
-                      </a:r>
-                      <a:endParaRPr lang="en-US" sz="1600" dirty="0"/>
-                    </a:p>
-                  </a:txBody>
-                  <a:tcPr/>
-                </a:tc>
-                <a:tc>
-                  <a:txBody>
-                    <a:bodyPr/>
-                    <a:lstStyle/>
-                    <a:p>
-                      <a:pPr algn="ctr"/>
-                      <a:r>
-                        <a:rPr lang="en-US" sz="1600" dirty="0" smtClean="0"/>
-                        <a:t>6.89</a:t>
-                      </a:r>
-                      <a:endParaRPr lang="en-US" sz="1600" dirty="0"/>
-                    </a:p>
-                  </a:txBody>
-                  <a:tcPr/>
-                </a:tc>
-                <a:tc>
-                  <a:txBody>
-                    <a:bodyPr/>
-                    <a:lstStyle/>
-                    <a:p>
-                      <a:pPr algn="ctr"/>
-                      <a:r>
-                        <a:rPr lang="en-US" sz="1600" dirty="0" smtClean="0"/>
-                        <a:t>9.69</a:t>
-                      </a:r>
-                      <a:endParaRPr lang="en-US" sz="1600" dirty="0"/>
-                    </a:p>
-                  </a:txBody>
-                  <a:tcPr/>
-                </a:tc>
-              </a:tr>
-              <a:tr h="437580">
-                <a:tc>
-                  <a:txBody>
-                    <a:bodyPr/>
-                    <a:lstStyle/>
-                    <a:p>
-                      <a:r>
-                        <a:rPr lang="en-US" sz="1600" dirty="0" smtClean="0"/>
-                        <a:t>Divide-and-conquer</a:t>
-                      </a:r>
-                      <a:endParaRPr lang="en-US" sz="1600" dirty="0"/>
-                    </a:p>
-                  </a:txBody>
-                  <a:tcPr/>
-                </a:tc>
-                <a:tc>
-                  <a:txBody>
-                    <a:bodyPr/>
-                    <a:lstStyle/>
-                    <a:p>
-                      <a:pPr algn="ctr"/>
-                      <a:r>
-                        <a:rPr lang="en-US" sz="1600" dirty="0" smtClean="0"/>
-                        <a:t>6.72</a:t>
-                      </a:r>
-                      <a:endParaRPr lang="en-US" sz="1600" dirty="0"/>
-                    </a:p>
-                  </a:txBody>
-                  <a:tcPr/>
-                </a:tc>
-                <a:tc>
-                  <a:txBody>
-                    <a:bodyPr/>
-                    <a:lstStyle/>
-                    <a:p>
-                      <a:pPr algn="ctr"/>
-                      <a:r>
-                        <a:rPr lang="en-US" sz="1600" dirty="0" smtClean="0"/>
-                        <a:t>9.42</a:t>
-                      </a:r>
-                      <a:endParaRPr lang="en-US" sz="1600" dirty="0"/>
-                    </a:p>
-                  </a:txBody>
-                  <a:tcPr/>
-                </a:tc>
-              </a:tr>
-            </a:tbl>
-          </a:graphicData>
-        </a:graphic>
-      </p:graphicFrame>
       <p:grpSp>
         <p:nvGrpSpPr>
           <p:cNvPr id="182" name="组合 181"/>
@@ -5128,7 +2735,7 @@
           <p:nvPr/>
         </p:nvPicPr>
         <p:blipFill>
-          <a:blip r:embed="rId4"/>
+          <a:blip r:embed="rId3"/>
           <a:stretch>
             <a:fillRect/>
           </a:stretch>
@@ -5152,7 +2759,7 @@
           <p:nvPr/>
         </p:nvPicPr>
         <p:blipFill>
-          <a:blip r:embed="rId5">
+          <a:blip r:embed="rId4">
             <a:extLst>
               <a:ext uri="{28A0092B-C50C-407E-A947-70E740481C1C}">
                 <a14:useLocalDpi xmlns:a14="http://schemas.microsoft.com/office/drawing/2010/main" val="0"/>
@@ -5538,7 +3145,7 @@
           <p:nvPr/>
         </p:nvPicPr>
         <p:blipFill>
-          <a:blip r:embed="rId6">
+          <a:blip r:embed="rId5">
             <a:extLst>
               <a:ext uri="{28A0092B-C50C-407E-A947-70E740481C1C}">
                 <a14:useLocalDpi xmlns:a14="http://schemas.microsoft.com/office/drawing/2010/main" val="0"/>
@@ -5668,7 +3275,7 @@
           <p:nvPr/>
         </p:nvPicPr>
         <p:blipFill>
-          <a:blip r:embed="rId7" cstate="print">
+          <a:blip r:embed="rId6" cstate="print">
             <a:extLst>
               <a:ext uri="{28A0092B-C50C-407E-A947-70E740481C1C}">
                 <a14:useLocalDpi xmlns:a14="http://schemas.microsoft.com/office/drawing/2010/main" val="0"/>
@@ -5682,7 +3289,7 @@
         <p:spPr>
           <a:xfrm>
             <a:off x="12768526" y="15523595"/>
-            <a:ext cx="8821713" cy="5587555"/>
+            <a:ext cx="8985642" cy="6021093"/>
           </a:xfrm>
           <a:prstGeom prst="rect">
             <a:avLst/>
@@ -5750,7 +3357,7 @@
               <a:rPr lang="en-US" sz="2450" dirty="0" smtClean="0">
                 <a:latin typeface="Times New Roman" pitchFamily="18" charset="0"/>
               </a:rPr>
-              <a:t>We limited the features dimension to 2000, trained each classifiers on the training dataset, adjust the possible parameters for each model. </a:t>
+              <a:t>We limited the features dimension to 2000, trained each classifiers on the training dataset, adjusted the possible parameters for each model. </a:t>
             </a:r>
             <a:r>
               <a:rPr lang="en-US" sz="2450" dirty="0">
@@ -5791,14 +3398,14 @@
           <p:nvPr>
             <p:extLst>
               <p:ext uri="{D42A27DB-BD31-4B8C-83A1-F6EECF244321}">
-                <p14:modId xmlns:p14="http://schemas.microsoft.com/office/powerpoint/2010/main" val="2214387371"/>
+                <p14:modId xmlns:p14="http://schemas.microsoft.com/office/powerpoint/2010/main" val="4003191527"/>
               </p:ext>
             </p:extLst>
           </p:nvPr>
         </p:nvGraphicFramePr>
         <p:xfrm>
-          <a:off x="22396631" y="22294203"/>
-          <a:ext cx="8143602" cy="4770210"/>
+          <a:off x="22904627" y="21875860"/>
+          <a:ext cx="6992414" cy="4002672"/>
         </p:xfrm>
         <a:graphic>
           <a:graphicData uri="http://schemas.openxmlformats.org/drawingml/2006/table">
@@ -5807,12 +3414,11 @@
                 <a:tableStyleId>{5C22544A-7EE6-4342-B048-85BDC9FD1C3A}</a:tableStyleId>
               </a:tblPr>
               <a:tblGrid>
-                <a:gridCol w="1956866"/>
-                <a:gridCol w="1912868"/>
-                <a:gridCol w="2000865"/>
-                <a:gridCol w="2273003"/>
+                <a:gridCol w="2330804"/>
+                <a:gridCol w="2278399"/>
+                <a:gridCol w="2383211"/>
               </a:tblGrid>
-              <a:tr h="522620">
+              <a:tr h="784843">
                 <a:tc>
                   <a:txBody>
                     <a:bodyPr/>
@@ -5956,42 +3562,8 @@
                   </a:txBody>
                   <a:tcPr/>
                 </a:tc>
-                <a:tc>
-                  <a:txBody>
-                    <a:bodyPr/>
-                    <a:lstStyle/>
-                    <a:p>
-                      <a:pPr marL="0" marR="0" indent="0" algn="l" defTabSz="800130" rtl="0" eaLnBrk="1" fontAlgn="auto" latinLnBrk="0" hangingPunct="1">
-                        <a:lnSpc>
-                          <a:spcPct val="100000"/>
-                        </a:lnSpc>
-                        <a:spcBef>
-                          <a:spcPts val="0"/>
-                        </a:spcBef>
-                        <a:spcAft>
-                          <a:spcPts val="0"/>
-                        </a:spcAft>
-                        <a:buClrTx/>
-                        <a:buSzTx/>
-                        <a:buFontTx/>
-                        <a:buNone/>
-                        <a:tabLst/>
-                        <a:defRPr/>
-                      </a:pPr>
-                      <a:endParaRPr lang="en-US" sz="2400" b="1" kern="1200" dirty="0" smtClean="0">
-                        <a:solidFill>
-                          <a:schemeClr val="tx1"/>
-                        </a:solidFill>
-                        <a:latin typeface="Times"/>
-                        <a:ea typeface="+mn-ea"/>
-                        <a:cs typeface="Times"/>
-                      </a:endParaRPr>
-                    </a:p>
-                  </a:txBody>
-                  <a:tcPr/>
-                </a:tc>
               </a:tr>
-              <a:tr h="522620">
+              <a:tr h="394697">
                 <a:tc>
                   <a:txBody>
                     <a:bodyPr/>
@@ -6057,18 +3629,8 @@
                   </a:txBody>
                   <a:tcPr/>
                 </a:tc>
-                <a:tc>
-                  <a:txBody>
-                    <a:bodyPr/>
-                    <a:lstStyle/>
-                    <a:p>
-                      <a:endParaRPr lang="en-US" dirty="0"/>
-                    </a:p>
-                  </a:txBody>
-                  <a:tcPr/>
-                </a:tc>
               </a:tr>
-              <a:tr h="522620">
+              <a:tr h="773942">
                 <a:tc>
                   <a:txBody>
                     <a:bodyPr/>
@@ -6135,18 +3697,8 @@
                   </a:txBody>
                   <a:tcPr/>
                 </a:tc>
-                <a:tc>
-                  <a:txBody>
-                    <a:bodyPr/>
-                    <a:lstStyle/>
-                    <a:p>
-                      <a:endParaRPr lang="en-US" dirty="0"/>
-                    </a:p>
-                  </a:txBody>
-                  <a:tcPr/>
-                </a:tc>
               </a:tr>
-              <a:tr h="522620">
+              <a:tr h="394697">
                 <a:tc>
                   <a:txBody>
                     <a:bodyPr/>
@@ -6189,18 +3741,8 @@
                   </a:txBody>
                   <a:tcPr/>
                 </a:tc>
-                <a:tc>
-                  <a:txBody>
-                    <a:bodyPr/>
-                    <a:lstStyle/>
-                    <a:p>
-                      <a:endParaRPr lang="en-US" dirty="0"/>
-                    </a:p>
-                  </a:txBody>
-                  <a:tcPr/>
-                </a:tc>
               </a:tr>
-              <a:tr h="522620">
+              <a:tr h="394697">
                 <a:tc>
                   <a:txBody>
                     <a:bodyPr/>
@@ -6243,18 +3785,8 @@
                   </a:txBody>
                   <a:tcPr/>
                 </a:tc>
-                <a:tc>
-                  <a:txBody>
-                    <a:bodyPr/>
-                    <a:lstStyle/>
-                    <a:p>
-                      <a:endParaRPr lang="en-US" dirty="0"/>
-                    </a:p>
-                  </a:txBody>
-                  <a:tcPr/>
-                </a:tc>
               </a:tr>
-              <a:tr h="522620">
+              <a:tr h="394697">
                 <a:tc>
                   <a:txBody>
                     <a:bodyPr/>
@@ -6297,18 +3829,8 @@
                   </a:txBody>
                   <a:tcPr/>
                 </a:tc>
-                <a:tc>
-                  <a:txBody>
-                    <a:bodyPr/>
-                    <a:lstStyle/>
-                    <a:p>
-                      <a:endParaRPr lang="en-US" dirty="0"/>
-                    </a:p>
-                  </a:txBody>
-                  <a:tcPr/>
-                </a:tc>
               </a:tr>
-              <a:tr h="522620">
+              <a:tr h="394697">
                 <a:tc>
                   <a:txBody>
                     <a:bodyPr/>
@@ -6355,18 +3877,8 @@
                   </a:txBody>
                   <a:tcPr/>
                 </a:tc>
-                <a:tc>
-                  <a:txBody>
-                    <a:bodyPr/>
-                    <a:lstStyle/>
-                    <a:p>
-                      <a:endParaRPr lang="en-US" dirty="0"/>
-                    </a:p>
-                  </a:txBody>
-                  <a:tcPr/>
-                </a:tc>
               </a:tr>
-              <a:tr h="522620">
+              <a:tr h="394697">
                 <a:tc>
                   <a:txBody>
                     <a:bodyPr/>
@@ -6397,21 +3909,246 @@
                   </a:txBody>
                   <a:tcPr/>
                 </a:tc>
-                <a:tc>
-                  <a:txBody>
-                    <a:bodyPr/>
-                    <a:lstStyle/>
-                    <a:p>
-                      <a:endParaRPr lang="en-US" dirty="0"/>
-                    </a:p>
-                  </a:txBody>
-                  <a:tcPr/>
-                </a:tc>
               </a:tr>
             </a:tbl>
           </a:graphicData>
         </a:graphic>
       </p:graphicFrame>
+      <p:sp>
+        <p:nvSpPr>
+          <p:cNvPr id="70" name="Text Box 39"/>
+          <p:cNvSpPr txBox="1">
+            <a:spLocks noChangeArrowheads="1"/>
+          </p:cNvSpPr>
+          <p:nvPr/>
+        </p:nvSpPr>
+        <p:spPr bwMode="auto">
+          <a:xfrm>
+            <a:off x="22508846" y="26343836"/>
+            <a:ext cx="8153177" cy="2564411"/>
+          </a:xfrm>
+          <a:prstGeom prst="rect">
+            <a:avLst/>
+          </a:prstGeom>
+          <a:noFill/>
+          <a:ln w="57150" cmpd="thinThick">
+            <a:noFill/>
+            <a:miter lim="800000"/>
+            <a:headEnd/>
+            <a:tailEnd/>
+          </a:ln>
+          <a:effectLst/>
+        </p:spPr>
+        <p:txBody>
+          <a:bodyPr wrap="square" lIns="53524" tIns="26761" rIns="53524" bIns="26761">
+            <a:spAutoFit/>
+          </a:bodyPr>
+          <a:lstStyle/>
+          <a:p>
+            <a:pPr marL="342913" indent="-342913" algn="l" defTabSz="536198" eaLnBrk="0" hangingPunct="0">
+              <a:lnSpc>
+                <a:spcPct val="95000"/>
+              </a:lnSpc>
+              <a:buFont typeface="Wingdings" panose="05000000000000000000" pitchFamily="2" charset="2"/>
+              <a:buChar char="Ø"/>
+            </a:pPr>
+            <a:r>
+              <a:rPr lang="en-US" sz="2450" b="1" dirty="0" smtClean="0">
+                <a:latin typeface="Times New Roman" pitchFamily="18" charset="0"/>
+              </a:rPr>
+              <a:t>Notes: </a:t>
+            </a:r>
+            <a:r>
+              <a:rPr lang="en-US" sz="2450" dirty="0" smtClean="0">
+                <a:latin typeface="Times New Roman" pitchFamily="18" charset="0"/>
+              </a:rPr>
+              <a:t>Logistics regression , SVM and Random forest perform better among all other models. </a:t>
+            </a:r>
+            <a:r>
+              <a:rPr lang="en-US" sz="2450" b="1" dirty="0" smtClean="0">
+                <a:latin typeface="Times New Roman" pitchFamily="18" charset="0"/>
+              </a:rPr>
+              <a:t> </a:t>
+            </a:r>
+            <a:r>
+              <a:rPr lang="en-US" sz="2450" dirty="0" smtClean="0">
+                <a:latin typeface="Times New Roman" pitchFamily="18" charset="0"/>
+              </a:rPr>
+              <a:t>However, the kernel based SVM requires lots of computational power when the sample size is big. And it’s performance is not better than Logistics and Random Forest, its probably not a good idea to use SVM in this case. </a:t>
+            </a:r>
+            <a:endParaRPr lang="en-US" sz="2450" b="1" dirty="0" smtClean="0">
+              <a:latin typeface="Times New Roman" pitchFamily="18" charset="0"/>
+            </a:endParaRPr>
+          </a:p>
+          <a:p>
+            <a:pPr algn="l" defTabSz="536198" eaLnBrk="0" hangingPunct="0">
+              <a:lnSpc>
+                <a:spcPct val="95000"/>
+              </a:lnSpc>
+            </a:pPr>
+            <a:r>
+              <a:rPr lang="en-US" sz="2450" dirty="0">
+                <a:latin typeface="Times New Roman" pitchFamily="18" charset="0"/>
+              </a:rPr>
+              <a:t>	</a:t>
+            </a:r>
+            <a:endParaRPr lang="en-US" sz="2450" dirty="0" smtClean="0">
+              <a:latin typeface="Times New Roman" pitchFamily="18" charset="0"/>
+            </a:endParaRPr>
+          </a:p>
+        </p:txBody>
+      </p:sp>
+      <p:sp>
+        <p:nvSpPr>
+          <p:cNvPr id="71" name="Text Box 39"/>
+          <p:cNvSpPr txBox="1">
+            <a:spLocks noChangeArrowheads="1"/>
+          </p:cNvSpPr>
+          <p:nvPr/>
+        </p:nvSpPr>
+        <p:spPr bwMode="auto">
+          <a:xfrm>
+            <a:off x="31682594" y="9299618"/>
+            <a:ext cx="8758096" cy="2564411"/>
+          </a:xfrm>
+          <a:prstGeom prst="rect">
+            <a:avLst/>
+          </a:prstGeom>
+          <a:noFill/>
+          <a:ln w="57150" cmpd="thinThick">
+            <a:noFill/>
+            <a:miter lim="800000"/>
+            <a:headEnd/>
+            <a:tailEnd/>
+          </a:ln>
+          <a:effectLst/>
+        </p:spPr>
+        <p:txBody>
+          <a:bodyPr wrap="square" lIns="53524" tIns="26761" rIns="53524" bIns="26761">
+            <a:spAutoFit/>
+          </a:bodyPr>
+          <a:lstStyle/>
+          <a:p>
+            <a:pPr marL="342900" indent="-342900" algn="l" defTabSz="536198" eaLnBrk="0" hangingPunct="0">
+              <a:lnSpc>
+                <a:spcPct val="95000"/>
+              </a:lnSpc>
+              <a:buFont typeface="Arial"/>
+              <a:buChar char="•"/>
+            </a:pPr>
+            <a:r>
+              <a:rPr lang="en-US" sz="2450" b="1" dirty="0" smtClean="0">
+                <a:latin typeface="Times New Roman" pitchFamily="18" charset="0"/>
+              </a:rPr>
+              <a:t>Models Performance and  Data size </a:t>
+            </a:r>
+            <a:r>
+              <a:rPr lang="en-US" sz="2450" dirty="0" smtClean="0">
+                <a:latin typeface="Times New Roman" pitchFamily="18" charset="0"/>
+              </a:rPr>
+              <a:t>(train</a:t>
+            </a:r>
+            <a:r>
+              <a:rPr lang="en-US" sz="2450" dirty="0" smtClean="0">
+                <a:latin typeface="Times New Roman" pitchFamily="18" charset="0"/>
+              </a:rPr>
+              <a:t>/</a:t>
+            </a:r>
+            <a:r>
+              <a:rPr lang="en-US" sz="2450" dirty="0" smtClean="0">
+                <a:latin typeface="Times New Roman" pitchFamily="18" charset="0"/>
+              </a:rPr>
+              <a:t>validation, 85%/15%) With </a:t>
+            </a:r>
+            <a:r>
+              <a:rPr lang="en-US" sz="2450" dirty="0" smtClean="0">
+                <a:latin typeface="Times New Roman" pitchFamily="18" charset="0"/>
+              </a:rPr>
+              <a:t>appropriated complexity L1 with C=0.15, Getting more data for training is likely to reduce the validation error. It seems like the most appropriate data size for L1 logistic regression is around 7500 with the validation error down to around 14%. And L2 logistics has the similar performance. Adding more data doesn’t seem to improve the model performance. </a:t>
+            </a:r>
+          </a:p>
+        </p:txBody>
+      </p:sp>
+      <p:sp>
+        <p:nvSpPr>
+          <p:cNvPr id="73" name="Text Box 9"/>
+          <p:cNvSpPr txBox="1">
+            <a:spLocks noChangeArrowheads="1"/>
+          </p:cNvSpPr>
+          <p:nvPr/>
+        </p:nvSpPr>
+        <p:spPr bwMode="auto">
+          <a:xfrm>
+            <a:off x="12994923" y="21560649"/>
+            <a:ext cx="8711077" cy="811825"/>
+          </a:xfrm>
+          <a:prstGeom prst="rect">
+            <a:avLst/>
+          </a:prstGeom>
+          <a:noFill/>
+          <a:ln w="9525">
+            <a:noFill/>
+            <a:miter lim="800000"/>
+            <a:headEnd/>
+            <a:tailEnd/>
+          </a:ln>
+          <a:effectLst/>
+        </p:spPr>
+        <p:txBody>
+          <a:bodyPr wrap="square">
+            <a:spAutoFit/>
+          </a:bodyPr>
+          <a:lstStyle/>
+          <a:p>
+            <a:pPr marL="342913" indent="-342913" algn="l" defTabSz="3840902" eaLnBrk="0" hangingPunct="0">
+              <a:lnSpc>
+                <a:spcPct val="95000"/>
+              </a:lnSpc>
+              <a:buFont typeface="Wingdings" panose="05000000000000000000" pitchFamily="2" charset="2"/>
+              <a:buChar char="Ø"/>
+            </a:pPr>
+            <a:r>
+              <a:rPr lang="en-US" sz="2450" dirty="0" smtClean="0">
+                <a:latin typeface="Times New Roman" pitchFamily="18" charset="0"/>
+              </a:rPr>
+              <a:t>Word visualization Samples of top-most relevant features/words extract from decision tree: </a:t>
+            </a:r>
+            <a:endParaRPr lang="en-US" sz="2450" dirty="0">
+              <a:latin typeface="Times New Roman" pitchFamily="18" charset="0"/>
+            </a:endParaRPr>
+          </a:p>
+        </p:txBody>
+      </p:sp>
+      <p:pic>
+        <p:nvPicPr>
+          <p:cNvPr id="8" name="Picture 7" descr="datasize_error.png"/>
+          <p:cNvPicPr>
+            <a:picLocks noChangeAspect="1"/>
+          </p:cNvPicPr>
+          <p:nvPr/>
+        </p:nvPicPr>
+        <p:blipFill>
+          <a:blip r:embed="rId7">
+            <a:extLst>
+              <a:ext uri="{28A0092B-C50C-407E-A947-70E740481C1C}">
+                <a14:useLocalDpi xmlns:a14="http://schemas.microsoft.com/office/drawing/2010/main" val="0"/>
+              </a:ext>
+            </a:extLst>
+          </a:blip>
+          <a:stretch>
+            <a:fillRect/>
+          </a:stretch>
+        </p:blipFill>
+        <p:spPr>
+          <a:xfrm>
+            <a:off x="32495543" y="12032867"/>
+            <a:ext cx="6969214" cy="4613667"/>
+          </a:xfrm>
+          <a:prstGeom prst="rect">
+            <a:avLst/>
+          </a:prstGeom>
+        </p:spPr>
+      </p:pic>
     </p:spTree>
   </p:cSld>
   <p:clrMapOvr>

--- a/Project Poster Template.pptx
+++ b/Project Poster Template.pptx
@@ -1272,7 +1272,7 @@
         </p:nvSpPr>
         <p:spPr bwMode="auto">
           <a:xfrm>
-            <a:off x="31496124" y="8763159"/>
+            <a:off x="31467901" y="8311593"/>
             <a:ext cx="9067800" cy="20569709"/>
           </a:xfrm>
           <a:prstGeom prst="roundRect">
@@ -1479,7 +1479,7 @@
         </p:nvSpPr>
         <p:spPr bwMode="auto">
           <a:xfrm>
-            <a:off x="31905678" y="22416457"/>
+            <a:off x="31877455" y="19086164"/>
             <a:ext cx="8601075" cy="1169551"/>
           </a:xfrm>
           <a:prstGeom prst="rect">
@@ -2465,8 +2465,8 @@
         </p:nvSpPr>
         <p:spPr bwMode="auto">
           <a:xfrm>
-            <a:off x="31649251" y="24019301"/>
-            <a:ext cx="8903621" cy="3277619"/>
+            <a:off x="31606917" y="20533782"/>
+            <a:ext cx="8903621" cy="8653388"/>
           </a:xfrm>
           <a:prstGeom prst="rect">
             <a:avLst/>
@@ -2494,10 +2494,46 @@
               <a:buChar char="•"/>
             </a:pPr>
             <a:r>
+              <a:rPr lang="en-US" sz="2450" dirty="0" smtClean="0">
+                <a:latin typeface="Times New Roman" pitchFamily="18" charset="0"/>
+              </a:rPr>
+              <a:t>Logistics r</a:t>
+            </a:r>
+            <a:r>
+              <a:rPr lang="en-US" sz="2450" dirty="0" smtClean="0">
+                <a:latin typeface="Times New Roman" pitchFamily="18" charset="0"/>
+              </a:rPr>
+              <a:t>egression , SVM, and Random Forest  have performance </a:t>
+            </a:r>
+            <a:r>
               <a:rPr lang="en-US" sz="2450" dirty="0">
                 <a:latin typeface="Times New Roman" pitchFamily="18" charset="0"/>
               </a:rPr>
-              <a:t>Regression performs better than classification on the entire set. </a:t>
+              <a:t>better than </a:t>
+            </a:r>
+            <a:r>
+              <a:rPr lang="en-US" sz="2450" dirty="0" smtClean="0">
+                <a:latin typeface="Times New Roman" pitchFamily="18" charset="0"/>
+              </a:rPr>
+              <a:t>other classifiers</a:t>
+            </a:r>
+            <a:r>
+              <a:rPr lang="en-US" sz="2450" dirty="0" smtClean="0">
+                <a:latin typeface="Times New Roman" pitchFamily="18" charset="0"/>
+              </a:rPr>
+              <a:t>. However running </a:t>
+            </a:r>
+            <a:r>
+              <a:rPr lang="en-US" sz="2450" dirty="0" smtClean="0">
+                <a:latin typeface="Times New Roman" pitchFamily="18" charset="0"/>
+              </a:rPr>
+              <a:t>kernel based </a:t>
+            </a:r>
+            <a:r>
+              <a:rPr lang="en-US" sz="2450" dirty="0" smtClean="0">
+                <a:latin typeface="Times New Roman" pitchFamily="18" charset="0"/>
+              </a:rPr>
+              <a:t>SVM is time consuming and requires lots of computational power.  </a:t>
             </a:r>
           </a:p>
           <a:p>
@@ -2508,12 +2544,9 @@
               <a:buFont typeface="Arial"/>
               <a:buChar char="•"/>
             </a:pPr>
-            <a:r>
-              <a:rPr lang="en-US" sz="2450" dirty="0">
-                <a:latin typeface="Times New Roman" pitchFamily="18" charset="0"/>
-              </a:rPr>
-              <a:t>Using ensemble method improve our prediction performance, and also allows for more flexibility in the model structure.</a:t>
-            </a:r>
+            <a:endParaRPr lang="en-US" sz="2450" dirty="0" smtClean="0">
+              <a:latin typeface="Times New Roman" pitchFamily="18" charset="0"/>
+            </a:endParaRPr>
           </a:p>
           <a:p>
             <a:pPr marL="800117" lvl="1" indent="-342900" algn="l" defTabSz="536198" eaLnBrk="0" hangingPunct="0">
@@ -2524,6 +2557,36 @@
               <a:buChar char="•"/>
             </a:pPr>
             <a:r>
+              <a:rPr lang="en-US" sz="2450" dirty="0" smtClean="0">
+                <a:latin typeface="Times New Roman" pitchFamily="18" charset="0"/>
+              </a:rPr>
+              <a:t>Data size of 7500 seem seems like the most appropriate data size to for training  L1 or L2 logistics model.  </a:t>
+            </a:r>
+            <a:endParaRPr lang="en-US" sz="2450" dirty="0">
+              <a:latin typeface="Times New Roman" pitchFamily="18" charset="0"/>
+            </a:endParaRPr>
+          </a:p>
+          <a:p>
+            <a:pPr marL="800117" lvl="1" indent="-342900" algn="l" defTabSz="536198" eaLnBrk="0" hangingPunct="0">
+              <a:lnSpc>
+                <a:spcPct val="95000"/>
+              </a:lnSpc>
+              <a:buFont typeface="Arial"/>
+              <a:buChar char="•"/>
+            </a:pPr>
+            <a:endParaRPr lang="en-US" sz="2450" dirty="0">
+              <a:latin typeface="Times New Roman" pitchFamily="18" charset="0"/>
+            </a:endParaRPr>
+          </a:p>
+          <a:p>
+            <a:pPr marL="800117" lvl="1" indent="-342900" algn="l" defTabSz="536198" eaLnBrk="0" hangingPunct="0">
+              <a:lnSpc>
+                <a:spcPct val="95000"/>
+              </a:lnSpc>
+              <a:buFont typeface="Arial"/>
+              <a:buChar char="•"/>
+            </a:pPr>
+            <a:r>
               <a:rPr lang="en-US" sz="2450" dirty="0">
                 <a:latin typeface="Times New Roman" pitchFamily="18" charset="0"/>
               </a:rPr>
@@ -2539,22 +2602,22 @@
               <a:buChar char="o"/>
             </a:pPr>
             <a:r>
+              <a:rPr lang="en-US" sz="2450" dirty="0" smtClean="0">
+                <a:latin typeface="Times New Roman" pitchFamily="18" charset="0"/>
+              </a:rPr>
+              <a:t>In our case, we tried TF-IDF</a:t>
+            </a:r>
+            <a:r>
               <a:rPr lang="en-US" sz="2450" dirty="0">
                 <a:latin typeface="Times New Roman" pitchFamily="18" charset="0"/>
               </a:rPr>
-              <a:t>One can incorporate </a:t>
-            </a:r>
-            <a:r>
-              <a:rPr lang="en-US" sz="2450" dirty="0" err="1">
-                <a:latin typeface="Times New Roman" pitchFamily="18" charset="0"/>
-              </a:rPr>
-              <a:t>artist_terms</a:t>
-            </a:r>
-            <a:r>
-              <a:rPr lang="en-US" sz="2450" dirty="0">
-                <a:latin typeface="Times New Roman" pitchFamily="18" charset="0"/>
-              </a:rPr>
-              <a:t> to improve upon the prediction </a:t>
+              <a:t> </a:t>
+            </a:r>
+            <a:r>
+              <a:rPr lang="en-US" sz="2450" dirty="0" smtClean="0">
+                <a:latin typeface="Times New Roman" pitchFamily="18" charset="0"/>
+              </a:rPr>
+              <a:t>for feature engineering. However, the result we got is similar with Bag-of –word in our case. Someone may try N-grams to see if this help for model performance. Beside predicting review rating, extracting useful information that highly associated with review rating may help business owner to understand what customers need in general. </a:t>
             </a:r>
           </a:p>
           <a:p>
@@ -2566,11 +2629,32 @@
               <a:buChar char="o"/>
             </a:pPr>
             <a:r>
-              <a:rPr lang="en-US" sz="2450" dirty="0">
-                <a:latin typeface="Times New Roman" pitchFamily="18" charset="0"/>
-              </a:rPr>
-              <a:t>The year prediction can also be used for recommendation, as well as understanding long-term evolution of music over time. </a:t>
-            </a:r>
+              <a:rPr lang="en-US" sz="2450" dirty="0" smtClean="0">
+                <a:latin typeface="Times New Roman" pitchFamily="18" charset="0"/>
+              </a:rPr>
+              <a:t>In our study, the best model we can get is logistics regression with accuracy around 86%. If some one could improve the model performance a lot, the classifier could be used to re-rate review content from other website as good or bad review under ‘yelp standard/classifier’.  </a:t>
+            </a:r>
+            <a:r>
+              <a:rPr lang="en-US" sz="2450" dirty="0" smtClean="0">
+                <a:latin typeface="Times New Roman" pitchFamily="18" charset="0"/>
+              </a:rPr>
+              <a:t>If that’s the case, reviews for each business from all sites could be re-rated under one standard. </a:t>
+            </a:r>
+            <a:endParaRPr lang="en-US" sz="2450" dirty="0" smtClean="0">
+              <a:latin typeface="Times New Roman" pitchFamily="18" charset="0"/>
+            </a:endParaRPr>
+          </a:p>
+          <a:p>
+            <a:pPr marL="1257347" lvl="2" indent="-342913" algn="l" defTabSz="536198" eaLnBrk="0" hangingPunct="0">
+              <a:lnSpc>
+                <a:spcPct val="95000"/>
+              </a:lnSpc>
+              <a:buFont typeface="Courier New" panose="02070309020205020404" pitchFamily="49" charset="0"/>
+              <a:buChar char="o"/>
+            </a:pPr>
+            <a:endParaRPr lang="en-US" sz="2450" dirty="0">
+              <a:latin typeface="Times New Roman" pitchFamily="18" charset="0"/>
+            </a:endParaRPr>
           </a:p>
         </p:txBody>
       </p:sp>

--- a/Project Poster Template.pptx
+++ b/Project Poster Template.pptx
@@ -1272,7 +1272,7 @@
         </p:nvSpPr>
         <p:spPr bwMode="auto">
           <a:xfrm>
-            <a:off x="31467901" y="8311593"/>
+            <a:off x="31467901" y="8668755"/>
             <a:ext cx="9067800" cy="20569709"/>
           </a:xfrm>
           <a:prstGeom prst="roundRect">
@@ -1464,7 +1464,19 @@
               <a:rPr lang="en-US" sz="2450" dirty="0" smtClean="0">
                 <a:latin typeface="Times New Roman" pitchFamily="18" charset="0"/>
               </a:rPr>
-              <a:t>Yelp is one of the most commonly used sites to search for reviews about local business, and has became an important reference for making consumer decision. In this project, we are interested in predict the outcome of an individual rating on Yelp, given the text content. And various machine learning algorithms are applied on text-related features in the hope of predicting whether the business will have good rating or not. Ideally, the well trained classifier could be used as review rating ‘converter’ under yelp standard. Specifically, an individual business review content from other review sites, such as Google Places, Yahoo local listing, Angie List and Four square, could be re-rated using the trained classifier under Yelp’s standard. Beside the business point of view, our goal in this project is to build the best classifier that beats the baseline and has good prediction accuracy.   </a:t>
+              <a:t>Yelp is one of the most commonly used sites to search for reviews about local business, and has became an important reference for making consumer decision. In this project, we are interested in predict the outcome of an individual rating on Yelp, given the text content. And various machine learning algorithms are applied on text-related features in the hope of predicting whether the business will have good rating or not. Ideally, the well trained classifier could be used as review rating ‘converter’ under yelp standard. Specifically, an individual business review content from other review sites, such as Google Places, Yahoo local listing, Angie List and Four square, could be re-rated using the trained classifier under </a:t>
+            </a:r>
+            <a:r>
+              <a:rPr lang="en-US" sz="2450" dirty="0" smtClean="0">
+                <a:latin typeface="Times New Roman" pitchFamily="18" charset="0"/>
+              </a:rPr>
+              <a:t>‘Yelp’s standard’. </a:t>
+            </a:r>
+            <a:r>
+              <a:rPr lang="en-US" sz="2450" dirty="0" smtClean="0">
+                <a:latin typeface="Times New Roman" pitchFamily="18" charset="0"/>
+              </a:rPr>
+              <a:t>Beside the business point of view, our goal in this project is to build the best classifier that beats the baseline and has good prediction accuracy.   </a:t>
             </a:r>
           </a:p>
         </p:txBody>
@@ -1762,7 +1774,19 @@
               <a:rPr lang="en-US" sz="2450" dirty="0" smtClean="0">
                 <a:latin typeface="Times New Roman" pitchFamily="18" charset="0"/>
               </a:rPr>
-              <a:t>, stars, text, data, and votes. We are only interested in using text to predict the rating stars. To guarantee the quality of reviews, we only use the subset of 557187 reviews that has been voted by other users. The target variables ‘stars’ is inform of number 1 to 5 (1:the lowest through 5: the best). The following figure illustrates the proportion of each star type in the Dataset:</a:t>
+              <a:t>, stars, text, data, and votes. We are only interested in using text to predict the rating stars. To guarantee the quality of reviews, we only use the subset of 557187 reviews that has been voted by other users. The target variables ‘stars’ is </a:t>
+            </a:r>
+            <a:r>
+              <a:rPr lang="en-US" sz="2450" dirty="0" smtClean="0">
+                <a:latin typeface="Times New Roman" pitchFamily="18" charset="0"/>
+              </a:rPr>
+              <a:t>in form </a:t>
+            </a:r>
+            <a:r>
+              <a:rPr lang="en-US" sz="2450" dirty="0" smtClean="0">
+                <a:latin typeface="Times New Roman" pitchFamily="18" charset="0"/>
+              </a:rPr>
+              <a:t>of number 1 to 5 (1:the lowest through 5: the best). The following figure illustrates the proportion of each star type in the Dataset:</a:t>
             </a:r>
           </a:p>
           <a:p>
@@ -2322,8 +2346,17 @@
               <a:rPr lang="en-US" sz="2450" dirty="0" smtClean="0">
                 <a:latin typeface="Times New Roman" pitchFamily="18" charset="0"/>
               </a:rPr>
-              <a:t>Support Vector Machine</a:t>
-            </a:r>
+              <a:t>Support Vector </a:t>
+            </a:r>
+            <a:r>
+              <a:rPr lang="en-US" sz="2450" dirty="0" smtClean="0">
+                <a:latin typeface="Times New Roman" pitchFamily="18" charset="0"/>
+              </a:rPr>
+              <a:t>Machine-RBF Kernel</a:t>
+            </a:r>
+            <a:endParaRPr lang="en-US" sz="2450" dirty="0" smtClean="0">
+              <a:latin typeface="Times New Roman" pitchFamily="18" charset="0"/>
+            </a:endParaRPr>
           </a:p>
           <a:p>
             <a:pPr marL="800117" lvl="1" indent="-342900" algn="l" defTabSz="536198" eaLnBrk="0" hangingPunct="0">
@@ -2367,12 +2400,6 @@
                 <a:spcPct val="95000"/>
               </a:lnSpc>
             </a:pPr>
-            <a:r>
-              <a:rPr lang="en-US" sz="2450" dirty="0" smtClean="0">
-                <a:latin typeface="Times New Roman" pitchFamily="18" charset="0"/>
-              </a:rPr>
-              <a:t>Notes: Since </a:t>
-            </a:r>
             <a:endParaRPr lang="en-US" sz="2450" dirty="0">
               <a:latin typeface="Times New Roman" pitchFamily="18" charset="0"/>
             </a:endParaRPr>
@@ -2666,10 +2693,10 @@
         </p:nvGrpSpPr>
         <p:grpSpPr>
           <a:xfrm>
-            <a:off x="3448246" y="2843988"/>
-            <a:ext cx="37204650" cy="5288513"/>
-            <a:chOff x="600075" y="2390775"/>
-            <a:chExt cx="37204650" cy="4746069"/>
+            <a:off x="3448246" y="2720682"/>
+            <a:ext cx="37204650" cy="5249695"/>
+            <a:chOff x="600075" y="2280117"/>
+            <a:chExt cx="37204650" cy="4711233"/>
           </a:xfrm>
           <a:solidFill>
             <a:srgbClr val="FF4624"/>
@@ -2723,7 +2750,7 @@
           </p:nvSpPr>
           <p:spPr bwMode="auto">
             <a:xfrm>
-              <a:off x="682237" y="2482741"/>
+              <a:off x="682238" y="2280117"/>
               <a:ext cx="37052920" cy="4654103"/>
             </a:xfrm>
             <a:prstGeom prst="rect">
@@ -2856,7 +2883,7 @@
         </p:blipFill>
         <p:spPr>
           <a:xfrm>
-            <a:off x="3930411" y="3161889"/>
+            <a:off x="3573209" y="2844412"/>
             <a:ext cx="5626512" cy="4934751"/>
           </a:xfrm>
           <a:prstGeom prst="rect">
@@ -2873,9 +2900,9 @@
         <p:grpSpPr>
           <a:xfrm>
             <a:off x="14146495" y="10127761"/>
-            <a:ext cx="5411504" cy="3358516"/>
+            <a:ext cx="5452036" cy="3358516"/>
             <a:chOff x="1151364" y="3008341"/>
-            <a:chExt cx="7713722" cy="2919815"/>
+            <a:chExt cx="7771498" cy="2919815"/>
           </a:xfrm>
         </p:grpSpPr>
         <p:grpSp>
@@ -2887,9 +2914,9 @@
           <p:grpSpPr>
             <a:xfrm>
               <a:off x="1151364" y="3008341"/>
-              <a:ext cx="7713722" cy="2919815"/>
+              <a:ext cx="7771498" cy="2919815"/>
               <a:chOff x="1154890" y="1396360"/>
-              <a:chExt cx="7713722" cy="2919815"/>
+              <a:chExt cx="7771498" cy="2919815"/>
             </a:xfrm>
           </p:grpSpPr>
           <p:sp>
@@ -2940,7 +2967,7 @@
             </p:nvSpPr>
             <p:spPr>
               <a:xfrm>
-                <a:off x="6902547" y="2906957"/>
+                <a:off x="6921807" y="2965686"/>
                 <a:ext cx="1947963" cy="924388"/>
               </a:xfrm>
               <a:prstGeom prst="ellipse">
@@ -3065,10 +3092,10 @@
             </p:nvGrpSpPr>
             <p:grpSpPr>
               <a:xfrm>
-                <a:off x="6812410" y="1452294"/>
-                <a:ext cx="2056202" cy="2067165"/>
-                <a:chOff x="1427733" y="2447241"/>
-                <a:chExt cx="2069054" cy="2067165"/>
+                <a:off x="6822977" y="1569751"/>
+                <a:ext cx="2103411" cy="1949708"/>
+                <a:chOff x="1438366" y="2564698"/>
+                <a:chExt cx="2116558" cy="1949708"/>
               </a:xfrm>
             </p:grpSpPr>
             <p:sp>
@@ -3079,7 +3106,7 @@
               </p:nvSpPr>
               <p:spPr>
                 <a:xfrm>
-                  <a:off x="1427733" y="2447241"/>
+                  <a:off x="1485870" y="2564698"/>
                   <a:ext cx="2069054" cy="998916"/>
                 </a:xfrm>
                 <a:prstGeom prst="ellipse">
@@ -3134,8 +3161,12 @@
                 <a:lstStyle/>
                 <a:p>
                   <a:r>
-                    <a:rPr lang="en-US" sz="2000" dirty="0" err="1" smtClean="0"/>
-                    <a:t>Tf-idf</a:t>
+                    <a:rPr lang="en-US" sz="2000" dirty="0" smtClean="0"/>
+                    <a:t>TF-</a:t>
+                  </a:r>
+                  <a:r>
+                    <a:rPr lang="en-US" sz="2000" dirty="0" smtClean="0"/>
+                    <a:t>IDF</a:t>
                   </a:r>
                   <a:r>
                     <a:rPr lang="en-US" sz="2000" dirty="0" smtClean="0"/>
@@ -3155,7 +3186,7 @@
           </p:nvCxnSpPr>
           <p:spPr>
             <a:xfrm flipV="1">
-              <a:off x="5896201" y="3636472"/>
+              <a:off x="5876944" y="3730437"/>
               <a:ext cx="830915" cy="29238"/>
             </a:xfrm>
             <a:prstGeom prst="straightConnector1">
@@ -3482,7 +3513,7 @@
           <p:nvPr>
             <p:extLst>
               <p:ext uri="{D42A27DB-BD31-4B8C-83A1-F6EECF244321}">
-                <p14:modId xmlns:p14="http://schemas.microsoft.com/office/powerpoint/2010/main" val="4003191527"/>
+                <p14:modId xmlns:p14="http://schemas.microsoft.com/office/powerpoint/2010/main" val="3258241476"/>
               </p:ext>
             </p:extLst>
           </p:nvPr>
@@ -3848,7 +3879,7 @@
                     <a:p>
                       <a:r>
                         <a:rPr lang="en-US" dirty="0" smtClean="0"/>
-                        <a:t>99.98%</a:t>
+                        <a:t>77.11%</a:t>
                       </a:r>
                       <a:endParaRPr lang="en-US" dirty="0"/>
                     </a:p>
@@ -3862,7 +3893,7 @@
                     <a:p>
                       <a:r>
                         <a:rPr lang="en-US" dirty="0" smtClean="0"/>
-                        <a:t>70.84%</a:t>
+                        <a:t>72.84%</a:t>
                       </a:r>
                       <a:endParaRPr lang="en-US" dirty="0"/>
                     </a:p>
@@ -4164,7 +4195,7 @@
         <p:spPr bwMode="auto">
           <a:xfrm>
             <a:off x="12994923" y="21560649"/>
-            <a:ext cx="8711077" cy="811825"/>
+            <a:ext cx="8711077" cy="1528175"/>
           </a:xfrm>
           <a:prstGeom prst="rect">
             <a:avLst/>
@@ -4195,7 +4226,39 @@
               <a:rPr lang="en-US" sz="2450" dirty="0" smtClean="0">
                 <a:latin typeface="Times New Roman" pitchFamily="18" charset="0"/>
               </a:rPr>
-              <a:t>Word visualization Samples of top-most relevant features/words extract from decision tree: </a:t>
+              <a:t>Word visualization: 100 top-most relevant features/words extract from logistics regression: </a:t>
+            </a:r>
+          </a:p>
+          <a:p>
+            <a:pPr algn="l" defTabSz="3840902" eaLnBrk="0" hangingPunct="0">
+              <a:lnSpc>
+                <a:spcPct val="95000"/>
+              </a:lnSpc>
+            </a:pPr>
+            <a:r>
+              <a:rPr lang="en-US" sz="2450" dirty="0">
+                <a:latin typeface="Times New Roman" pitchFamily="18" charset="0"/>
+              </a:rPr>
+              <a:t> </a:t>
+            </a:r>
+            <a:r>
+              <a:rPr lang="en-US" sz="2450" dirty="0" smtClean="0">
+                <a:latin typeface="Times New Roman" pitchFamily="18" charset="0"/>
+              </a:rPr>
+              <a:t>   Note: The  word/feature is proportional to the value of  </a:t>
+            </a:r>
+          </a:p>
+          <a:p>
+            <a:pPr algn="l" defTabSz="3840902" eaLnBrk="0" hangingPunct="0">
+              <a:lnSpc>
+                <a:spcPct val="95000"/>
+              </a:lnSpc>
+            </a:pPr>
+            <a:r>
+              <a:rPr lang="en-US" sz="2450" dirty="0" smtClean="0">
+                <a:latin typeface="Times New Roman" pitchFamily="18" charset="0"/>
+              </a:rPr>
+              <a:t>    log(odd-ratio) in the logistics regression.</a:t>
             </a:r>
             <a:endParaRPr lang="en-US" sz="2450" dirty="0">
               <a:latin typeface="Times New Roman" pitchFamily="18" charset="0"/>
@@ -4227,6 +4290,36 @@
           <a:xfrm>
             <a:off x="32495543" y="12032867"/>
             <a:ext cx="6969214" cy="4613667"/>
+          </a:xfrm>
+          <a:prstGeom prst="rect">
+            <a:avLst/>
+          </a:prstGeom>
+        </p:spPr>
+      </p:pic>
+      <p:pic>
+        <p:nvPicPr>
+          <p:cNvPr id="11" name="Picture 10" descr="word.png"/>
+          <p:cNvPicPr>
+            <a:picLocks noChangeAspect="1"/>
+          </p:cNvPicPr>
+          <p:nvPr/>
+        </p:nvPicPr>
+        <p:blipFill>
+          <a:blip r:embed="rId8">
+            <a:extLst>
+              <a:ext uri="{28A0092B-C50C-407E-A947-70E740481C1C}">
+                <a14:useLocalDpi xmlns:a14="http://schemas.microsoft.com/office/drawing/2010/main" val="0"/>
+              </a:ext>
+            </a:extLst>
+          </a:blip>
+          <a:stretch>
+            <a:fillRect/>
+          </a:stretch>
+        </p:blipFill>
+        <p:spPr>
+          <a:xfrm>
+            <a:off x="13045078" y="23344829"/>
+            <a:ext cx="8315144" cy="5196965"/>
           </a:xfrm>
           <a:prstGeom prst="rect">
             <a:avLst/>
